--- a/slides/custom-reference.pptx
+++ b/slides/custom-reference.pptx
@@ -2,7 +2,7 @@
 <file path=ppt/presentation.xml><?xml version="1.0" encoding="utf-8"?>
 <p:presentation xmlns:a="http://schemas.openxmlformats.org/drawingml/2006/main" xmlns:r="http://schemas.openxmlformats.org/officeDocument/2006/relationships" xmlns:p="http://schemas.openxmlformats.org/presentationml/2006/main" saveSubsetFonts="1" autoCompressPictures="0">
   <p:sldMasterIdLst>
-    <p:sldMasterId id="2147483726" r:id="rId1"/>
+    <p:sldMasterId id="2147483738" r:id="rId1"/>
   </p:sldMasterIdLst>
   <p:notesMasterIdLst>
     <p:notesMasterId r:id="rId6"/>
@@ -13,13 +13,13 @@
     <p:sldId id="258" r:id="rId4"/>
     <p:sldId id="259" r:id="rId5"/>
   </p:sldIdLst>
-  <p:sldSz cx="12192000" cy="6858000"/>
+  <p:sldSz cx="9906000" cy="6858000" type="A4"/>
   <p:notesSz cx="6858000" cy="9144000"/>
   <p:defaultTextStyle>
     <a:defPPr>
       <a:defRPr lang="en-US"/>
     </a:defPPr>
-    <a:lvl1pPr marL="0" algn="l" defTabSz="914400" rtl="0" eaLnBrk="1" latinLnBrk="0" hangingPunct="1">
+    <a:lvl1pPr marL="0" algn="l" defTabSz="457200" rtl="0" eaLnBrk="1" latinLnBrk="0" hangingPunct="1">
       <a:defRPr sz="1800" kern="1200">
         <a:solidFill>
           <a:schemeClr val="tx1"/>
@@ -29,7 +29,7 @@
         <a:cs typeface="+mn-cs"/>
       </a:defRPr>
     </a:lvl1pPr>
-    <a:lvl2pPr marL="457200" algn="l" defTabSz="914400" rtl="0" eaLnBrk="1" latinLnBrk="0" hangingPunct="1">
+    <a:lvl2pPr marL="457200" algn="l" defTabSz="457200" rtl="0" eaLnBrk="1" latinLnBrk="0" hangingPunct="1">
       <a:defRPr sz="1800" kern="1200">
         <a:solidFill>
           <a:schemeClr val="tx1"/>
@@ -39,7 +39,7 @@
         <a:cs typeface="+mn-cs"/>
       </a:defRPr>
     </a:lvl2pPr>
-    <a:lvl3pPr marL="914400" algn="l" defTabSz="914400" rtl="0" eaLnBrk="1" latinLnBrk="0" hangingPunct="1">
+    <a:lvl3pPr marL="914400" algn="l" defTabSz="457200" rtl="0" eaLnBrk="1" latinLnBrk="0" hangingPunct="1">
       <a:defRPr sz="1800" kern="1200">
         <a:solidFill>
           <a:schemeClr val="tx1"/>
@@ -49,7 +49,7 @@
         <a:cs typeface="+mn-cs"/>
       </a:defRPr>
     </a:lvl3pPr>
-    <a:lvl4pPr marL="1371600" algn="l" defTabSz="914400" rtl="0" eaLnBrk="1" latinLnBrk="0" hangingPunct="1">
+    <a:lvl4pPr marL="1371600" algn="l" defTabSz="457200" rtl="0" eaLnBrk="1" latinLnBrk="0" hangingPunct="1">
       <a:defRPr sz="1800" kern="1200">
         <a:solidFill>
           <a:schemeClr val="tx1"/>
@@ -59,7 +59,7 @@
         <a:cs typeface="+mn-cs"/>
       </a:defRPr>
     </a:lvl4pPr>
-    <a:lvl5pPr marL="1828800" algn="l" defTabSz="914400" rtl="0" eaLnBrk="1" latinLnBrk="0" hangingPunct="1">
+    <a:lvl5pPr marL="1828800" algn="l" defTabSz="457200" rtl="0" eaLnBrk="1" latinLnBrk="0" hangingPunct="1">
       <a:defRPr sz="1800" kern="1200">
         <a:solidFill>
           <a:schemeClr val="tx1"/>
@@ -69,7 +69,7 @@
         <a:cs typeface="+mn-cs"/>
       </a:defRPr>
     </a:lvl5pPr>
-    <a:lvl6pPr marL="2286000" algn="l" defTabSz="914400" rtl="0" eaLnBrk="1" latinLnBrk="0" hangingPunct="1">
+    <a:lvl6pPr marL="2286000" algn="l" defTabSz="457200" rtl="0" eaLnBrk="1" latinLnBrk="0" hangingPunct="1">
       <a:defRPr sz="1800" kern="1200">
         <a:solidFill>
           <a:schemeClr val="tx1"/>
@@ -79,7 +79,7 @@
         <a:cs typeface="+mn-cs"/>
       </a:defRPr>
     </a:lvl6pPr>
-    <a:lvl7pPr marL="2743200" algn="l" defTabSz="914400" rtl="0" eaLnBrk="1" latinLnBrk="0" hangingPunct="1">
+    <a:lvl7pPr marL="2743200" algn="l" defTabSz="457200" rtl="0" eaLnBrk="1" latinLnBrk="0" hangingPunct="1">
       <a:defRPr sz="1800" kern="1200">
         <a:solidFill>
           <a:schemeClr val="tx1"/>
@@ -89,7 +89,7 @@
         <a:cs typeface="+mn-cs"/>
       </a:defRPr>
     </a:lvl7pPr>
-    <a:lvl8pPr marL="3200400" algn="l" defTabSz="914400" rtl="0" eaLnBrk="1" latinLnBrk="0" hangingPunct="1">
+    <a:lvl8pPr marL="3200400" algn="l" defTabSz="457200" rtl="0" eaLnBrk="1" latinLnBrk="0" hangingPunct="1">
       <a:defRPr sz="1800" kern="1200">
         <a:solidFill>
           <a:schemeClr val="tx1"/>
@@ -99,7 +99,7 @@
         <a:cs typeface="+mn-cs"/>
       </a:defRPr>
     </a:lvl8pPr>
-    <a:lvl9pPr marL="3657600" algn="l" defTabSz="914400" rtl="0" eaLnBrk="1" latinLnBrk="0" hangingPunct="1">
+    <a:lvl9pPr marL="3657600" algn="l" defTabSz="457200" rtl="0" eaLnBrk="1" latinLnBrk="0" hangingPunct="1">
       <a:defRPr sz="1800" kern="1200">
         <a:solidFill>
           <a:schemeClr val="tx1"/>
@@ -118,7 +118,7 @@
             <a:srgbClr val="A4A3A4"/>
           </p15:clr>
         </p15:guide>
-        <p15:guide id="2" pos="3840" userDrawn="1">
+        <p15:guide id="2" pos="3120" userDrawn="1">
           <p15:clr>
             <a:srgbClr val="A4A3A4"/>
           </p15:clr>
@@ -211,7 +211,7 @@
           <a:p>
             <a:fld id="{0F9C1CCF-B725-44A7-AA57-5E433BD85C9F}" type="datetimeFigureOut">
               <a:rPr lang="en-US" smtClean="0"/>
-              <a:t>1/18/2019</a:t>
+              <a:t>1/19/2019</a:t>
             </a:fld>
             <a:endParaRPr lang="en-US"/>
           </a:p>
@@ -229,8 +229,8 @@
         </p:nvSpPr>
         <p:spPr>
           <a:xfrm>
-            <a:off x="685800" y="1143000"/>
-            <a:ext cx="5486400" cy="3086100"/>
+            <a:off x="1200150" y="1143000"/>
+            <a:ext cx="4457700" cy="3086100"/>
           </a:xfrm>
           <a:prstGeom prst="rect">
             <a:avLst/>
@@ -507,8 +507,8 @@
         </p:nvSpPr>
         <p:spPr>
           <a:xfrm>
-            <a:off x="685800" y="1143000"/>
-            <a:ext cx="5486400" cy="3086100"/>
+            <a:off x="1200150" y="1143000"/>
+            <a:ext cx="4457700" cy="3086100"/>
           </a:xfrm>
         </p:spPr>
       </p:sp>
@@ -613,8 +613,8 @@
         </p:nvSpPr>
         <p:spPr>
           <a:xfrm>
-            <a:off x="685800" y="1143000"/>
-            <a:ext cx="5486400" cy="3086100"/>
+            <a:off x="1200150" y="1143000"/>
+            <a:ext cx="4457700" cy="3086100"/>
           </a:xfrm>
         </p:spPr>
       </p:sp>
@@ -704,13 +704,7 @@
       </p:grpSpPr>
       <p:sp>
         <p:nvSpPr>
-          <p:cNvPr id="2" name="Title 1">
-            <a:extLst>
-              <a:ext uri="{FF2B5EF4-FFF2-40B4-BE49-F238E27FC236}">
-                <a16:creationId xmlns:a16="http://schemas.microsoft.com/office/drawing/2014/main" id="{DCCD1189-C36D-4C09-AE52-8B0E514D4681}"/>
-              </a:ext>
-            </a:extLst>
-          </p:cNvPr>
+          <p:cNvPr id="2" name="Title 1"/>
           <p:cNvSpPr>
             <a:spLocks noGrp="1"/>
           </p:cNvSpPr>
@@ -720,36 +714,29 @@
         </p:nvSpPr>
         <p:spPr>
           <a:xfrm>
-            <a:off x="1524000" y="1122363"/>
-            <a:ext cx="9144000" cy="2387600"/>
+            <a:off x="742950" y="1122363"/>
+            <a:ext cx="8420100" cy="2387600"/>
           </a:xfrm>
         </p:spPr>
         <p:txBody>
-          <a:bodyPr anchor="b">
-            <a:normAutofit/>
-          </a:bodyPr>
+          <a:bodyPr anchor="b"/>
           <a:lstStyle>
             <a:lvl1pPr algn="ctr">
-              <a:defRPr sz="5600"/>
+              <a:defRPr sz="6000"/>
             </a:lvl1pPr>
           </a:lstStyle>
           <a:p>
             <a:r>
-              <a:rPr lang="en-US" dirty="0"/>
+              <a:rPr lang="en-US"/>
               <a:t>Click to edit Master title style</a:t>
             </a:r>
-          </a:p>
-        </p:txBody>
-      </p:sp>
-      <p:sp>
-        <p:nvSpPr>
-          <p:cNvPr id="3" name="Subtitle 2">
-            <a:extLst>
-              <a:ext uri="{FF2B5EF4-FFF2-40B4-BE49-F238E27FC236}">
-                <a16:creationId xmlns:a16="http://schemas.microsoft.com/office/drawing/2014/main" id="{87FB58E7-3A31-42D5-A0D4-DF64205AFA90}"/>
-              </a:ext>
-            </a:extLst>
-          </p:cNvPr>
+            <a:endParaRPr lang="en-US" dirty="0"/>
+          </a:p>
+        </p:txBody>
+      </p:sp>
+      <p:sp>
+        <p:nvSpPr>
+          <p:cNvPr id="3" name="Subtitle 2"/>
           <p:cNvSpPr>
             <a:spLocks noGrp="1"/>
           </p:cNvSpPr>
@@ -759,18 +746,16 @@
         </p:nvSpPr>
         <p:spPr>
           <a:xfrm>
-            <a:off x="1524000" y="3602038"/>
-            <a:ext cx="9144000" cy="1655762"/>
+            <a:off x="1238250" y="3602038"/>
+            <a:ext cx="7429500" cy="1655762"/>
           </a:xfrm>
         </p:spPr>
         <p:txBody>
-          <a:bodyPr>
-            <a:normAutofit/>
-          </a:bodyPr>
+          <a:bodyPr/>
           <a:lstStyle>
             <a:lvl1pPr marL="0" indent="0" algn="ctr">
               <a:buNone/>
-              <a:defRPr sz="2800"/>
+              <a:defRPr sz="2400"/>
             </a:lvl1pPr>
             <a:lvl2pPr marL="457200" indent="0" algn="ctr">
               <a:buNone/>
@@ -807,21 +792,16 @@
           </a:lstStyle>
           <a:p>
             <a:r>
-              <a:rPr lang="en-US" dirty="0"/>
+              <a:rPr lang="en-US"/>
               <a:t>Click to edit Master subtitle style</a:t>
             </a:r>
-          </a:p>
-        </p:txBody>
-      </p:sp>
-      <p:sp>
-        <p:nvSpPr>
-          <p:cNvPr id="4" name="Date Placeholder 3">
-            <a:extLst>
-              <a:ext uri="{FF2B5EF4-FFF2-40B4-BE49-F238E27FC236}">
-                <a16:creationId xmlns:a16="http://schemas.microsoft.com/office/drawing/2014/main" id="{24CAF3E2-54C4-4676-A45E-76BC4B681DC1}"/>
-              </a:ext>
-            </a:extLst>
-          </p:cNvPr>
+            <a:endParaRPr lang="en-US" dirty="0"/>
+          </a:p>
+        </p:txBody>
+      </p:sp>
+      <p:sp>
+        <p:nvSpPr>
+          <p:cNvPr id="4" name="Date Placeholder 3"/>
           <p:cNvSpPr>
             <a:spLocks noGrp="1"/>
           </p:cNvSpPr>
@@ -836,7 +816,7 @@
           <a:p>
             <a:fld id="{241EB5C9-1307-BA42-ABA2-0BC069CD8E7F}" type="datetimeFigureOut">
               <a:rPr lang="en-US" smtClean="0"/>
-              <a:t>1/18/2019</a:t>
+              <a:t>1/19/2019</a:t>
             </a:fld>
             <a:endParaRPr lang="en-US"/>
           </a:p>
@@ -844,13 +824,7 @@
       </p:sp>
       <p:sp>
         <p:nvSpPr>
-          <p:cNvPr id="5" name="Footer Placeholder 4">
-            <a:extLst>
-              <a:ext uri="{FF2B5EF4-FFF2-40B4-BE49-F238E27FC236}">
-                <a16:creationId xmlns:a16="http://schemas.microsoft.com/office/drawing/2014/main" id="{66594A28-FD60-4F11-8DD6-7ABC20610334}"/>
-              </a:ext>
-            </a:extLst>
-          </p:cNvPr>
+          <p:cNvPr id="5" name="Footer Placeholder 4"/>
           <p:cNvSpPr>
             <a:spLocks noGrp="1"/>
           </p:cNvSpPr>
@@ -869,13 +843,7 @@
       </p:sp>
       <p:sp>
         <p:nvSpPr>
-          <p:cNvPr id="6" name="Slide Number Placeholder 5">
-            <a:extLst>
-              <a:ext uri="{FF2B5EF4-FFF2-40B4-BE49-F238E27FC236}">
-                <a16:creationId xmlns:a16="http://schemas.microsoft.com/office/drawing/2014/main" id="{66842BA8-0281-4EC8-8A32-21E9E2B47C06}"/>
-              </a:ext>
-            </a:extLst>
-          </p:cNvPr>
+          <p:cNvPr id="6" name="Slide Number Placeholder 5"/>
           <p:cNvSpPr>
             <a:spLocks noGrp="1"/>
           </p:cNvSpPr>
@@ -899,7 +867,7 @@
     </p:spTree>
     <p:extLst>
       <p:ext uri="{BB962C8B-B14F-4D97-AF65-F5344CB8AC3E}">
-        <p14:creationId xmlns:p14="http://schemas.microsoft.com/office/powerpoint/2010/main" val="620842541"/>
+        <p14:creationId xmlns:p14="http://schemas.microsoft.com/office/powerpoint/2010/main" val="1490408290"/>
       </p:ext>
     </p:extLst>
   </p:cSld>
@@ -928,13 +896,7 @@
       </p:grpSpPr>
       <p:sp>
         <p:nvSpPr>
-          <p:cNvPr id="2" name="Title 1">
-            <a:extLst>
-              <a:ext uri="{FF2B5EF4-FFF2-40B4-BE49-F238E27FC236}">
-                <a16:creationId xmlns:a16="http://schemas.microsoft.com/office/drawing/2014/main" id="{1D37A60C-9D8D-4F31-90E2-944817875124}"/>
-              </a:ext>
-            </a:extLst>
-          </p:cNvPr>
+          <p:cNvPr id="2" name="Title 1"/>
           <p:cNvSpPr>
             <a:spLocks noGrp="1"/>
           </p:cNvSpPr>
@@ -951,18 +913,13 @@
               <a:rPr lang="en-US"/>
               <a:t>Click to edit Master title style</a:t>
             </a:r>
-          </a:p>
-        </p:txBody>
-      </p:sp>
-      <p:sp>
-        <p:nvSpPr>
-          <p:cNvPr id="3" name="Vertical Text Placeholder 2">
-            <a:extLst>
-              <a:ext uri="{FF2B5EF4-FFF2-40B4-BE49-F238E27FC236}">
-                <a16:creationId xmlns:a16="http://schemas.microsoft.com/office/drawing/2014/main" id="{592E1A31-E6B3-4686-9E4B-5909DF3FA887}"/>
-              </a:ext>
-            </a:extLst>
-          </p:cNvPr>
+            <a:endParaRPr lang="en-US" dirty="0"/>
+          </a:p>
+        </p:txBody>
+      </p:sp>
+      <p:sp>
+        <p:nvSpPr>
+          <p:cNvPr id="3" name="Vertical Text Placeholder 2"/>
           <p:cNvSpPr>
             <a:spLocks noGrp="1"/>
           </p:cNvSpPr>
@@ -1008,18 +965,13 @@
               <a:rPr lang="en-US"/>
               <a:t>Fifth level</a:t>
             </a:r>
-          </a:p>
-        </p:txBody>
-      </p:sp>
-      <p:sp>
-        <p:nvSpPr>
-          <p:cNvPr id="4" name="Date Placeholder 3">
-            <a:extLst>
-              <a:ext uri="{FF2B5EF4-FFF2-40B4-BE49-F238E27FC236}">
-                <a16:creationId xmlns:a16="http://schemas.microsoft.com/office/drawing/2014/main" id="{B1DD226E-04A4-4AF0-8427-FE6546105668}"/>
-              </a:ext>
-            </a:extLst>
-          </p:cNvPr>
+            <a:endParaRPr lang="en-US" dirty="0"/>
+          </a:p>
+        </p:txBody>
+      </p:sp>
+      <p:sp>
+        <p:nvSpPr>
+          <p:cNvPr id="4" name="Date Placeholder 3"/>
           <p:cNvSpPr>
             <a:spLocks noGrp="1"/>
           </p:cNvSpPr>
@@ -1034,7 +986,7 @@
           <a:p>
             <a:fld id="{241EB5C9-1307-BA42-ABA2-0BC069CD8E7F}" type="datetimeFigureOut">
               <a:rPr lang="en-US" smtClean="0"/>
-              <a:t>1/18/2019</a:t>
+              <a:t>1/19/2019</a:t>
             </a:fld>
             <a:endParaRPr lang="en-US"/>
           </a:p>
@@ -1042,13 +994,7 @@
       </p:sp>
       <p:sp>
         <p:nvSpPr>
-          <p:cNvPr id="5" name="Footer Placeholder 4">
-            <a:extLst>
-              <a:ext uri="{FF2B5EF4-FFF2-40B4-BE49-F238E27FC236}">
-                <a16:creationId xmlns:a16="http://schemas.microsoft.com/office/drawing/2014/main" id="{FC6BE4B6-88E6-4EEE-908A-FC62B0E23851}"/>
-              </a:ext>
-            </a:extLst>
-          </p:cNvPr>
+          <p:cNvPr id="5" name="Footer Placeholder 4"/>
           <p:cNvSpPr>
             <a:spLocks noGrp="1"/>
           </p:cNvSpPr>
@@ -1067,13 +1013,7 @@
       </p:sp>
       <p:sp>
         <p:nvSpPr>
-          <p:cNvPr id="6" name="Slide Number Placeholder 5">
-            <a:extLst>
-              <a:ext uri="{FF2B5EF4-FFF2-40B4-BE49-F238E27FC236}">
-                <a16:creationId xmlns:a16="http://schemas.microsoft.com/office/drawing/2014/main" id="{637F01FD-F52A-42EF-9EB1-0ACA58FD34C2}"/>
-              </a:ext>
-            </a:extLst>
-          </p:cNvPr>
+          <p:cNvPr id="6" name="Slide Number Placeholder 5"/>
           <p:cNvSpPr>
             <a:spLocks noGrp="1"/>
           </p:cNvSpPr>
@@ -1097,7 +1037,7 @@
     </p:spTree>
     <p:extLst>
       <p:ext uri="{BB962C8B-B14F-4D97-AF65-F5344CB8AC3E}">
-        <p14:creationId xmlns:p14="http://schemas.microsoft.com/office/powerpoint/2010/main" val="1242589588"/>
+        <p14:creationId xmlns:p14="http://schemas.microsoft.com/office/powerpoint/2010/main" val="1160897250"/>
       </p:ext>
     </p:extLst>
   </p:cSld>
@@ -1126,13 +1066,7 @@
       </p:grpSpPr>
       <p:sp>
         <p:nvSpPr>
-          <p:cNvPr id="2" name="Vertical Title 1">
-            <a:extLst>
-              <a:ext uri="{FF2B5EF4-FFF2-40B4-BE49-F238E27FC236}">
-                <a16:creationId xmlns:a16="http://schemas.microsoft.com/office/drawing/2014/main" id="{C5AD5B52-7BAD-4BC7-B261-F77315EA865E}"/>
-              </a:ext>
-            </a:extLst>
-          </p:cNvPr>
+          <p:cNvPr id="2" name="Vertical Title 1"/>
           <p:cNvSpPr>
             <a:spLocks noGrp="1"/>
           </p:cNvSpPr>
@@ -1142,8 +1076,8 @@
         </p:nvSpPr>
         <p:spPr>
           <a:xfrm>
-            <a:off x="8724900" y="365125"/>
-            <a:ext cx="2628900" cy="5811838"/>
+            <a:off x="7088982" y="365125"/>
+            <a:ext cx="2135981" cy="5811838"/>
           </a:xfrm>
         </p:spPr>
         <p:txBody>
@@ -1154,18 +1088,13 @@
               <a:rPr lang="en-US"/>
               <a:t>Click to edit Master title style</a:t>
             </a:r>
-          </a:p>
-        </p:txBody>
-      </p:sp>
-      <p:sp>
-        <p:nvSpPr>
-          <p:cNvPr id="3" name="Vertical Text Placeholder 2">
-            <a:extLst>
-              <a:ext uri="{FF2B5EF4-FFF2-40B4-BE49-F238E27FC236}">
-                <a16:creationId xmlns:a16="http://schemas.microsoft.com/office/drawing/2014/main" id="{76CD2E75-A0C2-4E64-A5B4-0333861CF637}"/>
-              </a:ext>
-            </a:extLst>
-          </p:cNvPr>
+            <a:endParaRPr lang="en-US" dirty="0"/>
+          </a:p>
+        </p:txBody>
+      </p:sp>
+      <p:sp>
+        <p:nvSpPr>
+          <p:cNvPr id="3" name="Vertical Text Placeholder 2"/>
           <p:cNvSpPr>
             <a:spLocks noGrp="1"/>
           </p:cNvSpPr>
@@ -1175,8 +1104,8 @@
         </p:nvSpPr>
         <p:spPr>
           <a:xfrm>
-            <a:off x="838200" y="365125"/>
-            <a:ext cx="7734300" cy="5811838"/>
+            <a:off x="681038" y="365125"/>
+            <a:ext cx="6284119" cy="5811838"/>
           </a:xfrm>
         </p:spPr>
         <p:txBody>
@@ -1216,18 +1145,13 @@
               <a:rPr lang="en-US"/>
               <a:t>Fifth level</a:t>
             </a:r>
-          </a:p>
-        </p:txBody>
-      </p:sp>
-      <p:sp>
-        <p:nvSpPr>
-          <p:cNvPr id="4" name="Date Placeholder 3">
-            <a:extLst>
-              <a:ext uri="{FF2B5EF4-FFF2-40B4-BE49-F238E27FC236}">
-                <a16:creationId xmlns:a16="http://schemas.microsoft.com/office/drawing/2014/main" id="{301EE64C-657A-44B1-81EB-62BB718B2A0B}"/>
-              </a:ext>
-            </a:extLst>
-          </p:cNvPr>
+            <a:endParaRPr lang="en-US" dirty="0"/>
+          </a:p>
+        </p:txBody>
+      </p:sp>
+      <p:sp>
+        <p:nvSpPr>
+          <p:cNvPr id="4" name="Date Placeholder 3"/>
           <p:cNvSpPr>
             <a:spLocks noGrp="1"/>
           </p:cNvSpPr>
@@ -1242,7 +1166,7 @@
           <a:p>
             <a:fld id="{241EB5C9-1307-BA42-ABA2-0BC069CD8E7F}" type="datetimeFigureOut">
               <a:rPr lang="en-US" smtClean="0"/>
-              <a:t>1/18/2019</a:t>
+              <a:t>1/19/2019</a:t>
             </a:fld>
             <a:endParaRPr lang="en-US"/>
           </a:p>
@@ -1250,13 +1174,7 @@
       </p:sp>
       <p:sp>
         <p:nvSpPr>
-          <p:cNvPr id="5" name="Footer Placeholder 4">
-            <a:extLst>
-              <a:ext uri="{FF2B5EF4-FFF2-40B4-BE49-F238E27FC236}">
-                <a16:creationId xmlns:a16="http://schemas.microsoft.com/office/drawing/2014/main" id="{54DFDBCC-E11A-49F8-ABC4-46EDA435CE31}"/>
-              </a:ext>
-            </a:extLst>
-          </p:cNvPr>
+          <p:cNvPr id="5" name="Footer Placeholder 4"/>
           <p:cNvSpPr>
             <a:spLocks noGrp="1"/>
           </p:cNvSpPr>
@@ -1275,13 +1193,7 @@
       </p:sp>
       <p:sp>
         <p:nvSpPr>
-          <p:cNvPr id="6" name="Slide Number Placeholder 5">
-            <a:extLst>
-              <a:ext uri="{FF2B5EF4-FFF2-40B4-BE49-F238E27FC236}">
-                <a16:creationId xmlns:a16="http://schemas.microsoft.com/office/drawing/2014/main" id="{4B2432F8-EFBD-4B5B-AD3F-D4EA1CE81D95}"/>
-              </a:ext>
-            </a:extLst>
-          </p:cNvPr>
+          <p:cNvPr id="6" name="Slide Number Placeholder 5"/>
           <p:cNvSpPr>
             <a:spLocks noGrp="1"/>
           </p:cNvSpPr>
@@ -1305,7 +1217,7 @@
     </p:spTree>
     <p:extLst>
       <p:ext uri="{BB962C8B-B14F-4D97-AF65-F5344CB8AC3E}">
-        <p14:creationId xmlns:p14="http://schemas.microsoft.com/office/powerpoint/2010/main" val="3594967016"/>
+        <p14:creationId xmlns:p14="http://schemas.microsoft.com/office/powerpoint/2010/main" val="3926694169"/>
       </p:ext>
     </p:extLst>
   </p:cSld>
@@ -1334,13 +1246,7 @@
       </p:grpSpPr>
       <p:sp>
         <p:nvSpPr>
-          <p:cNvPr id="2" name="Title 1">
-            <a:extLst>
-              <a:ext uri="{FF2B5EF4-FFF2-40B4-BE49-F238E27FC236}">
-                <a16:creationId xmlns:a16="http://schemas.microsoft.com/office/drawing/2014/main" id="{9D91457F-9E56-49B3-B9F7-581A971AA320}"/>
-              </a:ext>
-            </a:extLst>
-          </p:cNvPr>
+          <p:cNvPr id="2" name="Title 1"/>
           <p:cNvSpPr>
             <a:spLocks noGrp="1"/>
           </p:cNvSpPr>
@@ -1354,21 +1260,16 @@
           <a:lstStyle/>
           <a:p>
             <a:r>
-              <a:rPr lang="en-US" dirty="0"/>
+              <a:rPr lang="en-US"/>
               <a:t>Click to edit Master title style</a:t>
             </a:r>
-          </a:p>
-        </p:txBody>
-      </p:sp>
-      <p:sp>
-        <p:nvSpPr>
-          <p:cNvPr id="3" name="Content Placeholder 2">
-            <a:extLst>
-              <a:ext uri="{FF2B5EF4-FFF2-40B4-BE49-F238E27FC236}">
-                <a16:creationId xmlns:a16="http://schemas.microsoft.com/office/drawing/2014/main" id="{63410A5E-EE94-439F-8158-5697CA141D92}"/>
-              </a:ext>
-            </a:extLst>
-          </p:cNvPr>
+            <a:endParaRPr lang="en-US" dirty="0"/>
+          </a:p>
+        </p:txBody>
+      </p:sp>
+      <p:sp>
+        <p:nvSpPr>
+          <p:cNvPr id="3" name="Content Placeholder 2"/>
           <p:cNvSpPr>
             <a:spLocks noGrp="1"/>
           </p:cNvSpPr>
@@ -1414,18 +1315,13 @@
               <a:rPr lang="en-US"/>
               <a:t>Fifth level</a:t>
             </a:r>
-          </a:p>
-        </p:txBody>
-      </p:sp>
-      <p:sp>
-        <p:nvSpPr>
-          <p:cNvPr id="4" name="Date Placeholder 3">
-            <a:extLst>
-              <a:ext uri="{FF2B5EF4-FFF2-40B4-BE49-F238E27FC236}">
-                <a16:creationId xmlns:a16="http://schemas.microsoft.com/office/drawing/2014/main" id="{C17C5074-5165-4BDB-9FCA-DC45D03AC94A}"/>
-              </a:ext>
-            </a:extLst>
-          </p:cNvPr>
+            <a:endParaRPr lang="en-US" dirty="0"/>
+          </a:p>
+        </p:txBody>
+      </p:sp>
+      <p:sp>
+        <p:nvSpPr>
+          <p:cNvPr id="4" name="Date Placeholder 3"/>
           <p:cNvSpPr>
             <a:spLocks noGrp="1"/>
           </p:cNvSpPr>
@@ -1440,7 +1336,7 @@
           <a:p>
             <a:fld id="{241EB5C9-1307-BA42-ABA2-0BC069CD8E7F}" type="datetimeFigureOut">
               <a:rPr lang="en-US" smtClean="0"/>
-              <a:t>1/18/2019</a:t>
+              <a:t>1/19/2019</a:t>
             </a:fld>
             <a:endParaRPr lang="en-US"/>
           </a:p>
@@ -1448,13 +1344,7 @@
       </p:sp>
       <p:sp>
         <p:nvSpPr>
-          <p:cNvPr id="5" name="Footer Placeholder 4">
-            <a:extLst>
-              <a:ext uri="{FF2B5EF4-FFF2-40B4-BE49-F238E27FC236}">
-                <a16:creationId xmlns:a16="http://schemas.microsoft.com/office/drawing/2014/main" id="{2DC793DB-605B-4029-A82B-93495B5BF42E}"/>
-              </a:ext>
-            </a:extLst>
-          </p:cNvPr>
+          <p:cNvPr id="5" name="Footer Placeholder 4"/>
           <p:cNvSpPr>
             <a:spLocks noGrp="1"/>
           </p:cNvSpPr>
@@ -1473,13 +1363,7 @@
       </p:sp>
       <p:sp>
         <p:nvSpPr>
-          <p:cNvPr id="6" name="Slide Number Placeholder 5">
-            <a:extLst>
-              <a:ext uri="{FF2B5EF4-FFF2-40B4-BE49-F238E27FC236}">
-                <a16:creationId xmlns:a16="http://schemas.microsoft.com/office/drawing/2014/main" id="{D226CB76-CB3E-4518-8702-7EEDFC341D18}"/>
-              </a:ext>
-            </a:extLst>
-          </p:cNvPr>
+          <p:cNvPr id="6" name="Slide Number Placeholder 5"/>
           <p:cNvSpPr>
             <a:spLocks noGrp="1"/>
           </p:cNvSpPr>
@@ -1503,7 +1387,7 @@
     </p:spTree>
     <p:extLst>
       <p:ext uri="{BB962C8B-B14F-4D97-AF65-F5344CB8AC3E}">
-        <p14:creationId xmlns:p14="http://schemas.microsoft.com/office/powerpoint/2010/main" val="3143350272"/>
+        <p14:creationId xmlns:p14="http://schemas.microsoft.com/office/powerpoint/2010/main" val="1686305239"/>
       </p:ext>
     </p:extLst>
   </p:cSld>
@@ -1532,13 +1416,7 @@
       </p:grpSpPr>
       <p:sp>
         <p:nvSpPr>
-          <p:cNvPr id="2" name="Title 1">
-            <a:extLst>
-              <a:ext uri="{FF2B5EF4-FFF2-40B4-BE49-F238E27FC236}">
-                <a16:creationId xmlns:a16="http://schemas.microsoft.com/office/drawing/2014/main" id="{3093E061-200E-450F-9E84-DDF3D7AEC2FC}"/>
-              </a:ext>
-            </a:extLst>
-          </p:cNvPr>
+          <p:cNvPr id="2" name="Title 1"/>
           <p:cNvSpPr>
             <a:spLocks noGrp="1"/>
           </p:cNvSpPr>
@@ -1548,36 +1426,29 @@
         </p:nvSpPr>
         <p:spPr>
           <a:xfrm>
-            <a:off x="831850" y="1709738"/>
-            <a:ext cx="10515600" cy="2852737"/>
+            <a:off x="675879" y="1709740"/>
+            <a:ext cx="8543925" cy="2852737"/>
           </a:xfrm>
         </p:spPr>
         <p:txBody>
-          <a:bodyPr anchor="b">
-            <a:normAutofit/>
-          </a:bodyPr>
+          <a:bodyPr anchor="b"/>
           <a:lstStyle>
             <a:lvl1pPr>
-              <a:defRPr sz="5600"/>
+              <a:defRPr sz="6000"/>
             </a:lvl1pPr>
           </a:lstStyle>
           <a:p>
             <a:r>
-              <a:rPr lang="en-US" dirty="0"/>
+              <a:rPr lang="en-US"/>
               <a:t>Click to edit Master title style</a:t>
             </a:r>
-          </a:p>
-        </p:txBody>
-      </p:sp>
-      <p:sp>
-        <p:nvSpPr>
-          <p:cNvPr id="3" name="Text Placeholder 2">
-            <a:extLst>
-              <a:ext uri="{FF2B5EF4-FFF2-40B4-BE49-F238E27FC236}">
-                <a16:creationId xmlns:a16="http://schemas.microsoft.com/office/drawing/2014/main" id="{B55C79E6-D1DD-4201-AE1D-F285CEC9F2D2}"/>
-              </a:ext>
-            </a:extLst>
-          </p:cNvPr>
+            <a:endParaRPr lang="en-US" dirty="0"/>
+          </a:p>
+        </p:txBody>
+      </p:sp>
+      <p:sp>
+        <p:nvSpPr>
+          <p:cNvPr id="3" name="Text Placeholder 2"/>
           <p:cNvSpPr>
             <a:spLocks noGrp="1"/>
           </p:cNvSpPr>
@@ -1587,8 +1458,8 @@
         </p:nvSpPr>
         <p:spPr>
           <a:xfrm>
-            <a:off x="831850" y="4589463"/>
-            <a:ext cx="10515600" cy="1500187"/>
+            <a:off x="675879" y="4589465"/>
+            <a:ext cx="8543925" cy="1500187"/>
           </a:xfrm>
         </p:spPr>
         <p:txBody>
@@ -1598,9 +1469,7 @@
               <a:buNone/>
               <a:defRPr sz="2400">
                 <a:solidFill>
-                  <a:schemeClr val="tx1">
-                    <a:tint val="75000"/>
-                  </a:schemeClr>
+                  <a:schemeClr val="tx1"/>
                 </a:solidFill>
               </a:defRPr>
             </a:lvl1pPr>
@@ -1696,13 +1565,7 @@
       </p:sp>
       <p:sp>
         <p:nvSpPr>
-          <p:cNvPr id="4" name="Date Placeholder 3">
-            <a:extLst>
-              <a:ext uri="{FF2B5EF4-FFF2-40B4-BE49-F238E27FC236}">
-                <a16:creationId xmlns:a16="http://schemas.microsoft.com/office/drawing/2014/main" id="{8DE5141C-236C-4CD9-B827-2BB7B7D8EF09}"/>
-              </a:ext>
-            </a:extLst>
-          </p:cNvPr>
+          <p:cNvPr id="4" name="Date Placeholder 3"/>
           <p:cNvSpPr>
             <a:spLocks noGrp="1"/>
           </p:cNvSpPr>
@@ -1717,7 +1580,7 @@
           <a:p>
             <a:fld id="{241EB5C9-1307-BA42-ABA2-0BC069CD8E7F}" type="datetimeFigureOut">
               <a:rPr lang="en-US" smtClean="0"/>
-              <a:t>1/18/2019</a:t>
+              <a:t>1/19/2019</a:t>
             </a:fld>
             <a:endParaRPr lang="en-US"/>
           </a:p>
@@ -1725,13 +1588,7 @@
       </p:sp>
       <p:sp>
         <p:nvSpPr>
-          <p:cNvPr id="5" name="Footer Placeholder 4">
-            <a:extLst>
-              <a:ext uri="{FF2B5EF4-FFF2-40B4-BE49-F238E27FC236}">
-                <a16:creationId xmlns:a16="http://schemas.microsoft.com/office/drawing/2014/main" id="{B42910E5-C474-4615-84C9-534FD401EB82}"/>
-              </a:ext>
-            </a:extLst>
-          </p:cNvPr>
+          <p:cNvPr id="5" name="Footer Placeholder 4"/>
           <p:cNvSpPr>
             <a:spLocks noGrp="1"/>
           </p:cNvSpPr>
@@ -1750,13 +1607,7 @@
       </p:sp>
       <p:sp>
         <p:nvSpPr>
-          <p:cNvPr id="6" name="Slide Number Placeholder 5">
-            <a:extLst>
-              <a:ext uri="{FF2B5EF4-FFF2-40B4-BE49-F238E27FC236}">
-                <a16:creationId xmlns:a16="http://schemas.microsoft.com/office/drawing/2014/main" id="{1EC8FC0A-6E2B-4A9F-A505-AF3DF4C9CDB3}"/>
-              </a:ext>
-            </a:extLst>
-          </p:cNvPr>
+          <p:cNvPr id="6" name="Slide Number Placeholder 5"/>
           <p:cNvSpPr>
             <a:spLocks noGrp="1"/>
           </p:cNvSpPr>
@@ -1780,7 +1631,7 @@
     </p:spTree>
     <p:extLst>
       <p:ext uri="{BB962C8B-B14F-4D97-AF65-F5344CB8AC3E}">
-        <p14:creationId xmlns:p14="http://schemas.microsoft.com/office/powerpoint/2010/main" val="2633428211"/>
+        <p14:creationId xmlns:p14="http://schemas.microsoft.com/office/powerpoint/2010/main" val="2597356551"/>
       </p:ext>
     </p:extLst>
   </p:cSld>
@@ -1809,13 +1660,7 @@
       </p:grpSpPr>
       <p:sp>
         <p:nvSpPr>
-          <p:cNvPr id="2" name="Title 1">
-            <a:extLst>
-              <a:ext uri="{FF2B5EF4-FFF2-40B4-BE49-F238E27FC236}">
-                <a16:creationId xmlns:a16="http://schemas.microsoft.com/office/drawing/2014/main" id="{BEA5DF76-405E-4A74-90CC-62D0DD963984}"/>
-              </a:ext>
-            </a:extLst>
-          </p:cNvPr>
+          <p:cNvPr id="2" name="Title 1"/>
           <p:cNvSpPr>
             <a:spLocks noGrp="1"/>
           </p:cNvSpPr>
@@ -1829,21 +1674,16 @@
           <a:lstStyle/>
           <a:p>
             <a:r>
-              <a:rPr lang="en-US" dirty="0"/>
+              <a:rPr lang="en-US"/>
               <a:t>Click to edit Master title style</a:t>
             </a:r>
-          </a:p>
-        </p:txBody>
-      </p:sp>
-      <p:sp>
-        <p:nvSpPr>
-          <p:cNvPr id="3" name="Content Placeholder 2">
-            <a:extLst>
-              <a:ext uri="{FF2B5EF4-FFF2-40B4-BE49-F238E27FC236}">
-                <a16:creationId xmlns:a16="http://schemas.microsoft.com/office/drawing/2014/main" id="{B65F7D2B-B44C-4732-8CB1-E8C7EE8C39DD}"/>
-              </a:ext>
-            </a:extLst>
-          </p:cNvPr>
+            <a:endParaRPr lang="en-US" dirty="0"/>
+          </a:p>
+        </p:txBody>
+      </p:sp>
+      <p:sp>
+        <p:nvSpPr>
+          <p:cNvPr id="3" name="Content Placeholder 2"/>
           <p:cNvSpPr>
             <a:spLocks noGrp="1"/>
           </p:cNvSpPr>
@@ -1853,8 +1693,8 @@
         </p:nvSpPr>
         <p:spPr>
           <a:xfrm>
-            <a:off x="838200" y="1825625"/>
-            <a:ext cx="5181600" cy="4351338"/>
+            <a:off x="681038" y="1825625"/>
+            <a:ext cx="4210050" cy="4351338"/>
           </a:xfrm>
         </p:spPr>
         <p:txBody>
@@ -1894,18 +1734,13 @@
               <a:rPr lang="en-US"/>
               <a:t>Fifth level</a:t>
             </a:r>
-          </a:p>
-        </p:txBody>
-      </p:sp>
-      <p:sp>
-        <p:nvSpPr>
-          <p:cNvPr id="4" name="Content Placeholder 3">
-            <a:extLst>
-              <a:ext uri="{FF2B5EF4-FFF2-40B4-BE49-F238E27FC236}">
-                <a16:creationId xmlns:a16="http://schemas.microsoft.com/office/drawing/2014/main" id="{CB712114-E8D3-48EC-98BB-783427CEC6AE}"/>
-              </a:ext>
-            </a:extLst>
-          </p:cNvPr>
+            <a:endParaRPr lang="en-US" dirty="0"/>
+          </a:p>
+        </p:txBody>
+      </p:sp>
+      <p:sp>
+        <p:nvSpPr>
+          <p:cNvPr id="4" name="Content Placeholder 3"/>
           <p:cNvSpPr>
             <a:spLocks noGrp="1"/>
           </p:cNvSpPr>
@@ -1915,8 +1750,8 @@
         </p:nvSpPr>
         <p:spPr>
           <a:xfrm>
-            <a:off x="6172200" y="1825625"/>
-            <a:ext cx="5181600" cy="4351338"/>
+            <a:off x="5014913" y="1825625"/>
+            <a:ext cx="4210050" cy="4351338"/>
           </a:xfrm>
         </p:spPr>
         <p:txBody>
@@ -1956,18 +1791,13 @@
               <a:rPr lang="en-US"/>
               <a:t>Fifth level</a:t>
             </a:r>
-          </a:p>
-        </p:txBody>
-      </p:sp>
-      <p:sp>
-        <p:nvSpPr>
-          <p:cNvPr id="5" name="Date Placeholder 4">
-            <a:extLst>
-              <a:ext uri="{FF2B5EF4-FFF2-40B4-BE49-F238E27FC236}">
-                <a16:creationId xmlns:a16="http://schemas.microsoft.com/office/drawing/2014/main" id="{D1F6565C-663C-4891-9019-D4802436CA3B}"/>
-              </a:ext>
-            </a:extLst>
-          </p:cNvPr>
+            <a:endParaRPr lang="en-US" dirty="0"/>
+          </a:p>
+        </p:txBody>
+      </p:sp>
+      <p:sp>
+        <p:nvSpPr>
+          <p:cNvPr id="5" name="Date Placeholder 4"/>
           <p:cNvSpPr>
             <a:spLocks noGrp="1"/>
           </p:cNvSpPr>
@@ -1982,7 +1812,7 @@
           <a:p>
             <a:fld id="{241EB5C9-1307-BA42-ABA2-0BC069CD8E7F}" type="datetimeFigureOut">
               <a:rPr lang="en-US" smtClean="0"/>
-              <a:t>1/18/2019</a:t>
+              <a:t>1/19/2019</a:t>
             </a:fld>
             <a:endParaRPr lang="en-US"/>
           </a:p>
@@ -1990,13 +1820,7 @@
       </p:sp>
       <p:sp>
         <p:nvSpPr>
-          <p:cNvPr id="6" name="Footer Placeholder 5">
-            <a:extLst>
-              <a:ext uri="{FF2B5EF4-FFF2-40B4-BE49-F238E27FC236}">
-                <a16:creationId xmlns:a16="http://schemas.microsoft.com/office/drawing/2014/main" id="{DA3B9ADE-DF21-4C63-9906-1FA3794E5FB9}"/>
-              </a:ext>
-            </a:extLst>
-          </p:cNvPr>
+          <p:cNvPr id="6" name="Footer Placeholder 5"/>
           <p:cNvSpPr>
             <a:spLocks noGrp="1"/>
           </p:cNvSpPr>
@@ -2015,13 +1839,7 @@
       </p:sp>
       <p:sp>
         <p:nvSpPr>
-          <p:cNvPr id="7" name="Slide Number Placeholder 6">
-            <a:extLst>
-              <a:ext uri="{FF2B5EF4-FFF2-40B4-BE49-F238E27FC236}">
-                <a16:creationId xmlns:a16="http://schemas.microsoft.com/office/drawing/2014/main" id="{CA42162D-A590-4E6B-AA74-A4D560637EB0}"/>
-              </a:ext>
-            </a:extLst>
-          </p:cNvPr>
+          <p:cNvPr id="7" name="Slide Number Placeholder 6"/>
           <p:cNvSpPr>
             <a:spLocks noGrp="1"/>
           </p:cNvSpPr>
@@ -2045,7 +1863,7 @@
     </p:spTree>
     <p:extLst>
       <p:ext uri="{BB962C8B-B14F-4D97-AF65-F5344CB8AC3E}">
-        <p14:creationId xmlns:p14="http://schemas.microsoft.com/office/powerpoint/2010/main" val="853300937"/>
+        <p14:creationId xmlns:p14="http://schemas.microsoft.com/office/powerpoint/2010/main" val="3994084989"/>
       </p:ext>
     </p:extLst>
   </p:cSld>
@@ -2074,13 +1892,7 @@
       </p:grpSpPr>
       <p:sp>
         <p:nvSpPr>
-          <p:cNvPr id="2" name="Title 1">
-            <a:extLst>
-              <a:ext uri="{FF2B5EF4-FFF2-40B4-BE49-F238E27FC236}">
-                <a16:creationId xmlns:a16="http://schemas.microsoft.com/office/drawing/2014/main" id="{246D537F-F0FE-4CB9-A520-41C0A3F10B4E}"/>
-              </a:ext>
-            </a:extLst>
-          </p:cNvPr>
+          <p:cNvPr id="2" name="Title 1"/>
           <p:cNvSpPr>
             <a:spLocks noGrp="1"/>
           </p:cNvSpPr>
@@ -2090,8 +1902,8 @@
         </p:nvSpPr>
         <p:spPr>
           <a:xfrm>
-            <a:off x="839788" y="365125"/>
-            <a:ext cx="10515600" cy="1325563"/>
+            <a:off x="682328" y="365127"/>
+            <a:ext cx="8543925" cy="1325563"/>
           </a:xfrm>
         </p:spPr>
         <p:txBody>
@@ -2102,18 +1914,13 @@
               <a:rPr lang="en-US"/>
               <a:t>Click to edit Master title style</a:t>
             </a:r>
-          </a:p>
-        </p:txBody>
-      </p:sp>
-      <p:sp>
-        <p:nvSpPr>
-          <p:cNvPr id="3" name="Text Placeholder 2">
-            <a:extLst>
-              <a:ext uri="{FF2B5EF4-FFF2-40B4-BE49-F238E27FC236}">
-                <a16:creationId xmlns:a16="http://schemas.microsoft.com/office/drawing/2014/main" id="{4478AAB7-2F44-4A5D-8186-8ED194649749}"/>
-              </a:ext>
-            </a:extLst>
-          </p:cNvPr>
+            <a:endParaRPr lang="en-US" dirty="0"/>
+          </a:p>
+        </p:txBody>
+      </p:sp>
+      <p:sp>
+        <p:nvSpPr>
+          <p:cNvPr id="3" name="Text Placeholder 2"/>
           <p:cNvSpPr>
             <a:spLocks noGrp="1"/>
           </p:cNvSpPr>
@@ -2123,8 +1930,8 @@
         </p:nvSpPr>
         <p:spPr>
           <a:xfrm>
-            <a:off x="839788" y="1681163"/>
-            <a:ext cx="5157787" cy="823912"/>
+            <a:off x="682329" y="1681163"/>
+            <a:ext cx="4190702" cy="823912"/>
           </a:xfrm>
         </p:spPr>
         <p:txBody>
@@ -2178,13 +1985,7 @@
       </p:sp>
       <p:sp>
         <p:nvSpPr>
-          <p:cNvPr id="4" name="Content Placeholder 3">
-            <a:extLst>
-              <a:ext uri="{FF2B5EF4-FFF2-40B4-BE49-F238E27FC236}">
-                <a16:creationId xmlns:a16="http://schemas.microsoft.com/office/drawing/2014/main" id="{0E950F20-6E99-4BB0-B422-5F53DDB1255E}"/>
-              </a:ext>
-            </a:extLst>
-          </p:cNvPr>
+          <p:cNvPr id="4" name="Content Placeholder 3"/>
           <p:cNvSpPr>
             <a:spLocks noGrp="1"/>
           </p:cNvSpPr>
@@ -2194,8 +1995,8 @@
         </p:nvSpPr>
         <p:spPr>
           <a:xfrm>
-            <a:off x="839788" y="2505075"/>
-            <a:ext cx="5157787" cy="3684588"/>
+            <a:off x="682329" y="2505075"/>
+            <a:ext cx="4190702" cy="3684588"/>
           </a:xfrm>
         </p:spPr>
         <p:txBody>
@@ -2235,18 +2036,13 @@
               <a:rPr lang="en-US"/>
               <a:t>Fifth level</a:t>
             </a:r>
-          </a:p>
-        </p:txBody>
-      </p:sp>
-      <p:sp>
-        <p:nvSpPr>
-          <p:cNvPr id="5" name="Text Placeholder 4">
-            <a:extLst>
-              <a:ext uri="{FF2B5EF4-FFF2-40B4-BE49-F238E27FC236}">
-                <a16:creationId xmlns:a16="http://schemas.microsoft.com/office/drawing/2014/main" id="{D7C025C2-F33D-4942-B66B-373849D3DD44}"/>
-              </a:ext>
-            </a:extLst>
-          </p:cNvPr>
+            <a:endParaRPr lang="en-US" dirty="0"/>
+          </a:p>
+        </p:txBody>
+      </p:sp>
+      <p:sp>
+        <p:nvSpPr>
+          <p:cNvPr id="5" name="Text Placeholder 4"/>
           <p:cNvSpPr>
             <a:spLocks noGrp="1"/>
           </p:cNvSpPr>
@@ -2256,8 +2052,8 @@
         </p:nvSpPr>
         <p:spPr>
           <a:xfrm>
-            <a:off x="6172200" y="1681163"/>
-            <a:ext cx="5183188" cy="823912"/>
+            <a:off x="5014913" y="1681163"/>
+            <a:ext cx="4211340" cy="823912"/>
           </a:xfrm>
         </p:spPr>
         <p:txBody>
@@ -2311,13 +2107,7 @@
       </p:sp>
       <p:sp>
         <p:nvSpPr>
-          <p:cNvPr id="6" name="Content Placeholder 5">
-            <a:extLst>
-              <a:ext uri="{FF2B5EF4-FFF2-40B4-BE49-F238E27FC236}">
-                <a16:creationId xmlns:a16="http://schemas.microsoft.com/office/drawing/2014/main" id="{A02D9696-FCA1-4742-894D-4786E24C8AC8}"/>
-              </a:ext>
-            </a:extLst>
-          </p:cNvPr>
+          <p:cNvPr id="6" name="Content Placeholder 5"/>
           <p:cNvSpPr>
             <a:spLocks noGrp="1"/>
           </p:cNvSpPr>
@@ -2327,8 +2117,8 @@
         </p:nvSpPr>
         <p:spPr>
           <a:xfrm>
-            <a:off x="6172200" y="2505075"/>
-            <a:ext cx="5183188" cy="3684588"/>
+            <a:off x="5014913" y="2505075"/>
+            <a:ext cx="4211340" cy="3684588"/>
           </a:xfrm>
         </p:spPr>
         <p:txBody>
@@ -2368,18 +2158,13 @@
               <a:rPr lang="en-US"/>
               <a:t>Fifth level</a:t>
             </a:r>
-          </a:p>
-        </p:txBody>
-      </p:sp>
-      <p:sp>
-        <p:nvSpPr>
-          <p:cNvPr id="7" name="Date Placeholder 6">
-            <a:extLst>
-              <a:ext uri="{FF2B5EF4-FFF2-40B4-BE49-F238E27FC236}">
-                <a16:creationId xmlns:a16="http://schemas.microsoft.com/office/drawing/2014/main" id="{155E2FC8-9C43-4843-8786-C8A7A5CEC45F}"/>
-              </a:ext>
-            </a:extLst>
-          </p:cNvPr>
+            <a:endParaRPr lang="en-US" dirty="0"/>
+          </a:p>
+        </p:txBody>
+      </p:sp>
+      <p:sp>
+        <p:nvSpPr>
+          <p:cNvPr id="7" name="Date Placeholder 6"/>
           <p:cNvSpPr>
             <a:spLocks noGrp="1"/>
           </p:cNvSpPr>
@@ -2394,7 +2179,7 @@
           <a:p>
             <a:fld id="{241EB5C9-1307-BA42-ABA2-0BC069CD8E7F}" type="datetimeFigureOut">
               <a:rPr lang="en-US" smtClean="0"/>
-              <a:t>1/18/2019</a:t>
+              <a:t>1/19/2019</a:t>
             </a:fld>
             <a:endParaRPr lang="en-US"/>
           </a:p>
@@ -2402,13 +2187,7 @@
       </p:sp>
       <p:sp>
         <p:nvSpPr>
-          <p:cNvPr id="8" name="Footer Placeholder 7">
-            <a:extLst>
-              <a:ext uri="{FF2B5EF4-FFF2-40B4-BE49-F238E27FC236}">
-                <a16:creationId xmlns:a16="http://schemas.microsoft.com/office/drawing/2014/main" id="{D5BEFFE7-1A87-4E56-B38C-7AE531173154}"/>
-              </a:ext>
-            </a:extLst>
-          </p:cNvPr>
+          <p:cNvPr id="8" name="Footer Placeholder 7"/>
           <p:cNvSpPr>
             <a:spLocks noGrp="1"/>
           </p:cNvSpPr>
@@ -2427,13 +2206,7 @@
       </p:sp>
       <p:sp>
         <p:nvSpPr>
-          <p:cNvPr id="9" name="Slide Number Placeholder 8">
-            <a:extLst>
-              <a:ext uri="{FF2B5EF4-FFF2-40B4-BE49-F238E27FC236}">
-                <a16:creationId xmlns:a16="http://schemas.microsoft.com/office/drawing/2014/main" id="{BF688CF6-0107-489D-9F46-F6664814301C}"/>
-              </a:ext>
-            </a:extLst>
-          </p:cNvPr>
+          <p:cNvPr id="9" name="Slide Number Placeholder 8"/>
           <p:cNvSpPr>
             <a:spLocks noGrp="1"/>
           </p:cNvSpPr>
@@ -2457,7 +2230,7 @@
     </p:spTree>
     <p:extLst>
       <p:ext uri="{BB962C8B-B14F-4D97-AF65-F5344CB8AC3E}">
-        <p14:creationId xmlns:p14="http://schemas.microsoft.com/office/powerpoint/2010/main" val="3519311195"/>
+        <p14:creationId xmlns:p14="http://schemas.microsoft.com/office/powerpoint/2010/main" val="1132776142"/>
       </p:ext>
     </p:extLst>
   </p:cSld>
@@ -2486,13 +2259,7 @@
       </p:grpSpPr>
       <p:sp>
         <p:nvSpPr>
-          <p:cNvPr id="2" name="Title 1">
-            <a:extLst>
-              <a:ext uri="{FF2B5EF4-FFF2-40B4-BE49-F238E27FC236}">
-                <a16:creationId xmlns:a16="http://schemas.microsoft.com/office/drawing/2014/main" id="{86E377CB-469C-499D-BED1-DF94550CCFC8}"/>
-              </a:ext>
-            </a:extLst>
-          </p:cNvPr>
+          <p:cNvPr id="2" name="Title 1"/>
           <p:cNvSpPr>
             <a:spLocks noGrp="1"/>
           </p:cNvSpPr>
@@ -2509,18 +2276,13 @@
               <a:rPr lang="en-US"/>
               <a:t>Click to edit Master title style</a:t>
             </a:r>
-          </a:p>
-        </p:txBody>
-      </p:sp>
-      <p:sp>
-        <p:nvSpPr>
-          <p:cNvPr id="3" name="Date Placeholder 2">
-            <a:extLst>
-              <a:ext uri="{FF2B5EF4-FFF2-40B4-BE49-F238E27FC236}">
-                <a16:creationId xmlns:a16="http://schemas.microsoft.com/office/drawing/2014/main" id="{406F0E0C-6855-494C-A0FF-7A2C4ECF2E15}"/>
-              </a:ext>
-            </a:extLst>
-          </p:cNvPr>
+            <a:endParaRPr lang="en-US" dirty="0"/>
+          </a:p>
+        </p:txBody>
+      </p:sp>
+      <p:sp>
+        <p:nvSpPr>
+          <p:cNvPr id="3" name="Date Placeholder 2"/>
           <p:cNvSpPr>
             <a:spLocks noGrp="1"/>
           </p:cNvSpPr>
@@ -2535,7 +2297,7 @@
           <a:p>
             <a:fld id="{241EB5C9-1307-BA42-ABA2-0BC069CD8E7F}" type="datetimeFigureOut">
               <a:rPr lang="en-US" smtClean="0"/>
-              <a:t>1/18/2019</a:t>
+              <a:t>1/19/2019</a:t>
             </a:fld>
             <a:endParaRPr lang="en-US"/>
           </a:p>
@@ -2543,13 +2305,7 @@
       </p:sp>
       <p:sp>
         <p:nvSpPr>
-          <p:cNvPr id="4" name="Footer Placeholder 3">
-            <a:extLst>
-              <a:ext uri="{FF2B5EF4-FFF2-40B4-BE49-F238E27FC236}">
-                <a16:creationId xmlns:a16="http://schemas.microsoft.com/office/drawing/2014/main" id="{86031866-7ADB-4201-8D0D-3856CC4B2FBF}"/>
-              </a:ext>
-            </a:extLst>
-          </p:cNvPr>
+          <p:cNvPr id="4" name="Footer Placeholder 3"/>
           <p:cNvSpPr>
             <a:spLocks noGrp="1"/>
           </p:cNvSpPr>
@@ -2568,13 +2324,7 @@
       </p:sp>
       <p:sp>
         <p:nvSpPr>
-          <p:cNvPr id="5" name="Slide Number Placeholder 4">
-            <a:extLst>
-              <a:ext uri="{FF2B5EF4-FFF2-40B4-BE49-F238E27FC236}">
-                <a16:creationId xmlns:a16="http://schemas.microsoft.com/office/drawing/2014/main" id="{C27AF159-6006-4663-8781-7D6CD1911B51}"/>
-              </a:ext>
-            </a:extLst>
-          </p:cNvPr>
+          <p:cNvPr id="5" name="Slide Number Placeholder 4"/>
           <p:cNvSpPr>
             <a:spLocks noGrp="1"/>
           </p:cNvSpPr>
@@ -2598,7 +2348,7 @@
     </p:spTree>
     <p:extLst>
       <p:ext uri="{BB962C8B-B14F-4D97-AF65-F5344CB8AC3E}">
-        <p14:creationId xmlns:p14="http://schemas.microsoft.com/office/powerpoint/2010/main" val="2573615858"/>
+        <p14:creationId xmlns:p14="http://schemas.microsoft.com/office/powerpoint/2010/main" val="2041129549"/>
       </p:ext>
     </p:extLst>
   </p:cSld>
@@ -2627,13 +2377,7 @@
       </p:grpSpPr>
       <p:sp>
         <p:nvSpPr>
-          <p:cNvPr id="2" name="Date Placeholder 1">
-            <a:extLst>
-              <a:ext uri="{FF2B5EF4-FFF2-40B4-BE49-F238E27FC236}">
-                <a16:creationId xmlns:a16="http://schemas.microsoft.com/office/drawing/2014/main" id="{20353C0E-35E5-4F10-8523-5212EBB15571}"/>
-              </a:ext>
-            </a:extLst>
-          </p:cNvPr>
+          <p:cNvPr id="2" name="Date Placeholder 1"/>
           <p:cNvSpPr>
             <a:spLocks noGrp="1"/>
           </p:cNvSpPr>
@@ -2648,7 +2392,7 @@
           <a:p>
             <a:fld id="{241EB5C9-1307-BA42-ABA2-0BC069CD8E7F}" type="datetimeFigureOut">
               <a:rPr lang="en-US" smtClean="0"/>
-              <a:t>1/18/2019</a:t>
+              <a:t>1/19/2019</a:t>
             </a:fld>
             <a:endParaRPr lang="en-US"/>
           </a:p>
@@ -2656,13 +2400,7 @@
       </p:sp>
       <p:sp>
         <p:nvSpPr>
-          <p:cNvPr id="3" name="Footer Placeholder 2">
-            <a:extLst>
-              <a:ext uri="{FF2B5EF4-FFF2-40B4-BE49-F238E27FC236}">
-                <a16:creationId xmlns:a16="http://schemas.microsoft.com/office/drawing/2014/main" id="{4582E718-37D3-4D10-8C90-27F310C8D50E}"/>
-              </a:ext>
-            </a:extLst>
-          </p:cNvPr>
+          <p:cNvPr id="3" name="Footer Placeholder 2"/>
           <p:cNvSpPr>
             <a:spLocks noGrp="1"/>
           </p:cNvSpPr>
@@ -2681,13 +2419,7 @@
       </p:sp>
       <p:sp>
         <p:nvSpPr>
-          <p:cNvPr id="4" name="Slide Number Placeholder 3">
-            <a:extLst>
-              <a:ext uri="{FF2B5EF4-FFF2-40B4-BE49-F238E27FC236}">
-                <a16:creationId xmlns:a16="http://schemas.microsoft.com/office/drawing/2014/main" id="{C36A97C5-E8D8-4217-9C7A-037E7E4E842C}"/>
-              </a:ext>
-            </a:extLst>
-          </p:cNvPr>
+          <p:cNvPr id="4" name="Slide Number Placeholder 3"/>
           <p:cNvSpPr>
             <a:spLocks noGrp="1"/>
           </p:cNvSpPr>
@@ -2711,7 +2443,7 @@
     </p:spTree>
     <p:extLst>
       <p:ext uri="{BB962C8B-B14F-4D97-AF65-F5344CB8AC3E}">
-        <p14:creationId xmlns:p14="http://schemas.microsoft.com/office/powerpoint/2010/main" val="232928138"/>
+        <p14:creationId xmlns:p14="http://schemas.microsoft.com/office/powerpoint/2010/main" val="3512238338"/>
       </p:ext>
     </p:extLst>
   </p:cSld>
@@ -2740,13 +2472,7 @@
       </p:grpSpPr>
       <p:sp>
         <p:nvSpPr>
-          <p:cNvPr id="2" name="Title 1">
-            <a:extLst>
-              <a:ext uri="{FF2B5EF4-FFF2-40B4-BE49-F238E27FC236}">
-                <a16:creationId xmlns:a16="http://schemas.microsoft.com/office/drawing/2014/main" id="{83B6B055-DCB7-4066-BABB-2365D9F0DD1C}"/>
-              </a:ext>
-            </a:extLst>
-          </p:cNvPr>
+          <p:cNvPr id="2" name="Title 1"/>
           <p:cNvSpPr>
             <a:spLocks noGrp="1"/>
           </p:cNvSpPr>
@@ -2756,8 +2482,8 @@
         </p:nvSpPr>
         <p:spPr>
           <a:xfrm>
-            <a:off x="839788" y="457200"/>
-            <a:ext cx="3932237" cy="1600200"/>
+            <a:off x="682328" y="457200"/>
+            <a:ext cx="3194943" cy="1600200"/>
           </a:xfrm>
         </p:spPr>
         <p:txBody>
@@ -2772,18 +2498,13 @@
               <a:rPr lang="en-US"/>
               <a:t>Click to edit Master title style</a:t>
             </a:r>
-          </a:p>
-        </p:txBody>
-      </p:sp>
-      <p:sp>
-        <p:nvSpPr>
-          <p:cNvPr id="3" name="Content Placeholder 2">
-            <a:extLst>
-              <a:ext uri="{FF2B5EF4-FFF2-40B4-BE49-F238E27FC236}">
-                <a16:creationId xmlns:a16="http://schemas.microsoft.com/office/drawing/2014/main" id="{75F795FA-8CE6-491C-BBB0-4470C1D3912A}"/>
-              </a:ext>
-            </a:extLst>
-          </p:cNvPr>
+            <a:endParaRPr lang="en-US" dirty="0"/>
+          </a:p>
+        </p:txBody>
+      </p:sp>
+      <p:sp>
+        <p:nvSpPr>
+          <p:cNvPr id="3" name="Content Placeholder 2"/>
           <p:cNvSpPr>
             <a:spLocks noGrp="1"/>
           </p:cNvSpPr>
@@ -2793,8 +2514,8 @@
         </p:nvSpPr>
         <p:spPr>
           <a:xfrm>
-            <a:off x="5183188" y="987425"/>
-            <a:ext cx="6172200" cy="4873625"/>
+            <a:off x="4211340" y="987427"/>
+            <a:ext cx="5014913" cy="4873625"/>
           </a:xfrm>
         </p:spPr>
         <p:txBody>
@@ -2862,18 +2583,13 @@
               <a:rPr lang="en-US"/>
               <a:t>Fifth level</a:t>
             </a:r>
-          </a:p>
-        </p:txBody>
-      </p:sp>
-      <p:sp>
-        <p:nvSpPr>
-          <p:cNvPr id="4" name="Text Placeholder 3">
-            <a:extLst>
-              <a:ext uri="{FF2B5EF4-FFF2-40B4-BE49-F238E27FC236}">
-                <a16:creationId xmlns:a16="http://schemas.microsoft.com/office/drawing/2014/main" id="{D8566B44-E58C-4946-9C6B-637B33DC4BA6}"/>
-              </a:ext>
-            </a:extLst>
-          </p:cNvPr>
+            <a:endParaRPr lang="en-US" dirty="0"/>
+          </a:p>
+        </p:txBody>
+      </p:sp>
+      <p:sp>
+        <p:nvSpPr>
+          <p:cNvPr id="4" name="Text Placeholder 3"/>
           <p:cNvSpPr>
             <a:spLocks noGrp="1"/>
           </p:cNvSpPr>
@@ -2883,8 +2599,8 @@
         </p:nvSpPr>
         <p:spPr>
           <a:xfrm>
-            <a:off x="839788" y="2057400"/>
-            <a:ext cx="3932237" cy="3811588"/>
+            <a:off x="682328" y="2057400"/>
+            <a:ext cx="3194943" cy="3811588"/>
           </a:xfrm>
         </p:spPr>
         <p:txBody>
@@ -2938,13 +2654,7 @@
       </p:sp>
       <p:sp>
         <p:nvSpPr>
-          <p:cNvPr id="5" name="Date Placeholder 4">
-            <a:extLst>
-              <a:ext uri="{FF2B5EF4-FFF2-40B4-BE49-F238E27FC236}">
-                <a16:creationId xmlns:a16="http://schemas.microsoft.com/office/drawing/2014/main" id="{10CB6293-384B-49CA-9B4C-F152AB40965E}"/>
-              </a:ext>
-            </a:extLst>
-          </p:cNvPr>
+          <p:cNvPr id="5" name="Date Placeholder 4"/>
           <p:cNvSpPr>
             <a:spLocks noGrp="1"/>
           </p:cNvSpPr>
@@ -2959,7 +2669,7 @@
           <a:p>
             <a:fld id="{241EB5C9-1307-BA42-ABA2-0BC069CD8E7F}" type="datetimeFigureOut">
               <a:rPr lang="en-US" smtClean="0"/>
-              <a:t>1/18/2019</a:t>
+              <a:t>1/19/2019</a:t>
             </a:fld>
             <a:endParaRPr lang="en-US"/>
           </a:p>
@@ -2967,13 +2677,7 @@
       </p:sp>
       <p:sp>
         <p:nvSpPr>
-          <p:cNvPr id="6" name="Footer Placeholder 5">
-            <a:extLst>
-              <a:ext uri="{FF2B5EF4-FFF2-40B4-BE49-F238E27FC236}">
-                <a16:creationId xmlns:a16="http://schemas.microsoft.com/office/drawing/2014/main" id="{8635C00E-98F6-4C6A-95E7-46CF0A524E19}"/>
-              </a:ext>
-            </a:extLst>
-          </p:cNvPr>
+          <p:cNvPr id="6" name="Footer Placeholder 5"/>
           <p:cNvSpPr>
             <a:spLocks noGrp="1"/>
           </p:cNvSpPr>
@@ -2992,13 +2696,7 @@
       </p:sp>
       <p:sp>
         <p:nvSpPr>
-          <p:cNvPr id="7" name="Slide Number Placeholder 6">
-            <a:extLst>
-              <a:ext uri="{FF2B5EF4-FFF2-40B4-BE49-F238E27FC236}">
-                <a16:creationId xmlns:a16="http://schemas.microsoft.com/office/drawing/2014/main" id="{3F270905-0414-43E8-9482-41C4248EB673}"/>
-              </a:ext>
-            </a:extLst>
-          </p:cNvPr>
+          <p:cNvPr id="7" name="Slide Number Placeholder 6"/>
           <p:cNvSpPr>
             <a:spLocks noGrp="1"/>
           </p:cNvSpPr>
@@ -3022,7 +2720,7 @@
     </p:spTree>
     <p:extLst>
       <p:ext uri="{BB962C8B-B14F-4D97-AF65-F5344CB8AC3E}">
-        <p14:creationId xmlns:p14="http://schemas.microsoft.com/office/powerpoint/2010/main" val="1289980476"/>
+        <p14:creationId xmlns:p14="http://schemas.microsoft.com/office/powerpoint/2010/main" val="3358370881"/>
       </p:ext>
     </p:extLst>
   </p:cSld>
@@ -3051,13 +2749,7 @@
       </p:grpSpPr>
       <p:sp>
         <p:nvSpPr>
-          <p:cNvPr id="2" name="Title 1">
-            <a:extLst>
-              <a:ext uri="{FF2B5EF4-FFF2-40B4-BE49-F238E27FC236}">
-                <a16:creationId xmlns:a16="http://schemas.microsoft.com/office/drawing/2014/main" id="{F4273805-602A-41BE-A935-35D3DE042A77}"/>
-              </a:ext>
-            </a:extLst>
-          </p:cNvPr>
+          <p:cNvPr id="2" name="Title 1"/>
           <p:cNvSpPr>
             <a:spLocks noGrp="1"/>
           </p:cNvSpPr>
@@ -3067,8 +2759,8 @@
         </p:nvSpPr>
         <p:spPr>
           <a:xfrm>
-            <a:off x="839788" y="457200"/>
-            <a:ext cx="3932237" cy="1600200"/>
+            <a:off x="682328" y="457200"/>
+            <a:ext cx="3194943" cy="1600200"/>
           </a:xfrm>
         </p:spPr>
         <p:txBody>
@@ -3083,20 +2775,15 @@
               <a:rPr lang="en-US"/>
               <a:t>Click to edit Master title style</a:t>
             </a:r>
-          </a:p>
-        </p:txBody>
-      </p:sp>
-      <p:sp>
-        <p:nvSpPr>
-          <p:cNvPr id="3" name="Picture Placeholder 2">
-            <a:extLst>
-              <a:ext uri="{FF2B5EF4-FFF2-40B4-BE49-F238E27FC236}">
-                <a16:creationId xmlns:a16="http://schemas.microsoft.com/office/drawing/2014/main" id="{A0FA997E-C839-4282-9EF9-76723698345B}"/>
-              </a:ext>
-            </a:extLst>
-          </p:cNvPr>
-          <p:cNvSpPr>
-            <a:spLocks noGrp="1"/>
+            <a:endParaRPr lang="en-US" dirty="0"/>
+          </a:p>
+        </p:txBody>
+      </p:sp>
+      <p:sp>
+        <p:nvSpPr>
+          <p:cNvPr id="3" name="Picture Placeholder 2"/>
+          <p:cNvSpPr>
+            <a:spLocks noGrp="1" noChangeAspect="1"/>
           </p:cNvSpPr>
           <p:nvPr>
             <p:ph type="pic" idx="1"/>
@@ -3104,12 +2791,12 @@
         </p:nvSpPr>
         <p:spPr>
           <a:xfrm>
-            <a:off x="5183188" y="987425"/>
-            <a:ext cx="6172200" cy="4873625"/>
+            <a:off x="4211340" y="987427"/>
+            <a:ext cx="5014913" cy="4873625"/>
           </a:xfrm>
         </p:spPr>
         <p:txBody>
-          <a:bodyPr/>
+          <a:bodyPr anchor="t"/>
           <a:lstStyle>
             <a:lvl1pPr marL="0" indent="0">
               <a:buNone/>
@@ -3149,19 +2836,17 @@
             </a:lvl9pPr>
           </a:lstStyle>
           <a:p>
-            <a:endParaRPr lang="en-US"/>
-          </a:p>
-        </p:txBody>
-      </p:sp>
-      <p:sp>
-        <p:nvSpPr>
-          <p:cNvPr id="4" name="Text Placeholder 3">
-            <a:extLst>
-              <a:ext uri="{FF2B5EF4-FFF2-40B4-BE49-F238E27FC236}">
-                <a16:creationId xmlns:a16="http://schemas.microsoft.com/office/drawing/2014/main" id="{C601386B-85EE-4038-BAEB-D70D396C9049}"/>
-              </a:ext>
-            </a:extLst>
-          </p:cNvPr>
+            <a:r>
+              <a:rPr lang="en-US"/>
+              <a:t>Click icon to add picture</a:t>
+            </a:r>
+            <a:endParaRPr lang="en-US" dirty="0"/>
+          </a:p>
+        </p:txBody>
+      </p:sp>
+      <p:sp>
+        <p:nvSpPr>
+          <p:cNvPr id="4" name="Text Placeholder 3"/>
           <p:cNvSpPr>
             <a:spLocks noGrp="1"/>
           </p:cNvSpPr>
@@ -3171,8 +2856,8 @@
         </p:nvSpPr>
         <p:spPr>
           <a:xfrm>
-            <a:off x="839788" y="2057400"/>
-            <a:ext cx="3932237" cy="3811588"/>
+            <a:off x="682328" y="2057400"/>
+            <a:ext cx="3194943" cy="3811588"/>
           </a:xfrm>
         </p:spPr>
         <p:txBody>
@@ -3226,13 +2911,7 @@
       </p:sp>
       <p:sp>
         <p:nvSpPr>
-          <p:cNvPr id="5" name="Date Placeholder 4">
-            <a:extLst>
-              <a:ext uri="{FF2B5EF4-FFF2-40B4-BE49-F238E27FC236}">
-                <a16:creationId xmlns:a16="http://schemas.microsoft.com/office/drawing/2014/main" id="{67A75861-F210-473C-8660-57A9E3A17D96}"/>
-              </a:ext>
-            </a:extLst>
-          </p:cNvPr>
+          <p:cNvPr id="5" name="Date Placeholder 4"/>
           <p:cNvSpPr>
             <a:spLocks noGrp="1"/>
           </p:cNvSpPr>
@@ -3247,7 +2926,7 @@
           <a:p>
             <a:fld id="{241EB5C9-1307-BA42-ABA2-0BC069CD8E7F}" type="datetimeFigureOut">
               <a:rPr lang="en-US" smtClean="0"/>
-              <a:t>1/18/2019</a:t>
+              <a:t>1/19/2019</a:t>
             </a:fld>
             <a:endParaRPr lang="en-US"/>
           </a:p>
@@ -3255,13 +2934,7 @@
       </p:sp>
       <p:sp>
         <p:nvSpPr>
-          <p:cNvPr id="6" name="Footer Placeholder 5">
-            <a:extLst>
-              <a:ext uri="{FF2B5EF4-FFF2-40B4-BE49-F238E27FC236}">
-                <a16:creationId xmlns:a16="http://schemas.microsoft.com/office/drawing/2014/main" id="{516319B3-D4F7-44DA-A462-D2DC3F938CC3}"/>
-              </a:ext>
-            </a:extLst>
-          </p:cNvPr>
+          <p:cNvPr id="6" name="Footer Placeholder 5"/>
           <p:cNvSpPr>
             <a:spLocks noGrp="1"/>
           </p:cNvSpPr>
@@ -3280,13 +2953,7 @@
       </p:sp>
       <p:sp>
         <p:nvSpPr>
-          <p:cNvPr id="7" name="Slide Number Placeholder 6">
-            <a:extLst>
-              <a:ext uri="{FF2B5EF4-FFF2-40B4-BE49-F238E27FC236}">
-                <a16:creationId xmlns:a16="http://schemas.microsoft.com/office/drawing/2014/main" id="{E0B9BEB0-E385-4DA0-A911-B4CA7B9456FD}"/>
-              </a:ext>
-            </a:extLst>
-          </p:cNvPr>
+          <p:cNvPr id="7" name="Slide Number Placeholder 6"/>
           <p:cNvSpPr>
             <a:spLocks noGrp="1"/>
           </p:cNvSpPr>
@@ -3310,7 +2977,7 @@
     </p:spTree>
     <p:extLst>
       <p:ext uri="{BB962C8B-B14F-4D97-AF65-F5344CB8AC3E}">
-        <p14:creationId xmlns:p14="http://schemas.microsoft.com/office/powerpoint/2010/main" val="2882952015"/>
+        <p14:creationId xmlns:p14="http://schemas.microsoft.com/office/powerpoint/2010/main" val="283739394"/>
       </p:ext>
     </p:extLst>
   </p:cSld>
@@ -3344,13 +3011,7 @@
       </p:grpSpPr>
       <p:sp>
         <p:nvSpPr>
-          <p:cNvPr id="2" name="Title Placeholder 1">
-            <a:extLst>
-              <a:ext uri="{FF2B5EF4-FFF2-40B4-BE49-F238E27FC236}">
-                <a16:creationId xmlns:a16="http://schemas.microsoft.com/office/drawing/2014/main" id="{DBC45D13-120F-480A-AFA9-033881E2FAB9}"/>
-              </a:ext>
-            </a:extLst>
-          </p:cNvPr>
+          <p:cNvPr id="2" name="Title Placeholder 1"/>
           <p:cNvSpPr>
             <a:spLocks noGrp="1"/>
           </p:cNvSpPr>
@@ -3360,8 +3021,8 @@
         </p:nvSpPr>
         <p:spPr>
           <a:xfrm>
-            <a:off x="838200" y="365125"/>
-            <a:ext cx="10515600" cy="1325563"/>
+            <a:off x="681038" y="365127"/>
+            <a:ext cx="8543925" cy="1325563"/>
           </a:xfrm>
           <a:prstGeom prst="rect">
             <a:avLst/>
@@ -3382,13 +3043,7 @@
       </p:sp>
       <p:sp>
         <p:nvSpPr>
-          <p:cNvPr id="3" name="Text Placeholder 2">
-            <a:extLst>
-              <a:ext uri="{FF2B5EF4-FFF2-40B4-BE49-F238E27FC236}">
-                <a16:creationId xmlns:a16="http://schemas.microsoft.com/office/drawing/2014/main" id="{A2E14D72-3384-475A-A28D-F1CF596EB4F8}"/>
-              </a:ext>
-            </a:extLst>
-          </p:cNvPr>
+          <p:cNvPr id="3" name="Text Placeholder 2"/>
           <p:cNvSpPr>
             <a:spLocks noGrp="1"/>
           </p:cNvSpPr>
@@ -3398,8 +3053,8 @@
         </p:nvSpPr>
         <p:spPr>
           <a:xfrm>
-            <a:off x="838200" y="1825625"/>
-            <a:ext cx="10515600" cy="4351338"/>
+            <a:off x="681038" y="1825625"/>
+            <a:ext cx="8543925" cy="4351338"/>
           </a:xfrm>
           <a:prstGeom prst="rect">
             <a:avLst/>
@@ -3413,49 +3068,44 @@
           <a:p>
             <a:pPr lvl="0"/>
             <a:r>
-              <a:rPr lang="en-US" dirty="0"/>
+              <a:rPr lang="en-US"/>
               <a:t>Edit Master text styles</a:t>
             </a:r>
           </a:p>
           <a:p>
             <a:pPr lvl="1"/>
             <a:r>
-              <a:rPr lang="en-US" dirty="0"/>
+              <a:rPr lang="en-US"/>
               <a:t>Second level</a:t>
             </a:r>
           </a:p>
           <a:p>
             <a:pPr lvl="2"/>
             <a:r>
-              <a:rPr lang="en-US" dirty="0"/>
+              <a:rPr lang="en-US"/>
               <a:t>Third level</a:t>
             </a:r>
           </a:p>
           <a:p>
             <a:pPr lvl="3"/>
             <a:r>
-              <a:rPr lang="en-US" dirty="0"/>
+              <a:rPr lang="en-US"/>
               <a:t>Fourth level</a:t>
             </a:r>
           </a:p>
           <a:p>
             <a:pPr lvl="4"/>
             <a:r>
-              <a:rPr lang="en-US" dirty="0"/>
+              <a:rPr lang="en-US"/>
               <a:t>Fifth level</a:t>
             </a:r>
-          </a:p>
-        </p:txBody>
-      </p:sp>
-      <p:sp>
-        <p:nvSpPr>
-          <p:cNvPr id="4" name="Date Placeholder 3">
-            <a:extLst>
-              <a:ext uri="{FF2B5EF4-FFF2-40B4-BE49-F238E27FC236}">
-                <a16:creationId xmlns:a16="http://schemas.microsoft.com/office/drawing/2014/main" id="{BFB5E1F0-F3EB-4BC7-BC05-B26E5D972D47}"/>
-              </a:ext>
-            </a:extLst>
-          </p:cNvPr>
+            <a:endParaRPr lang="en-US" dirty="0"/>
+          </a:p>
+        </p:txBody>
+      </p:sp>
+      <p:sp>
+        <p:nvSpPr>
+          <p:cNvPr id="4" name="Date Placeholder 3"/>
           <p:cNvSpPr>
             <a:spLocks noGrp="1"/>
           </p:cNvSpPr>
@@ -3465,8 +3115,8 @@
         </p:nvSpPr>
         <p:spPr>
           <a:xfrm>
-            <a:off x="838200" y="6356350"/>
-            <a:ext cx="2743200" cy="365125"/>
+            <a:off x="681038" y="6356352"/>
+            <a:ext cx="2228850" cy="365125"/>
           </a:xfrm>
           <a:prstGeom prst="rect">
             <a:avLst/>
@@ -3488,7 +3138,7 @@
           <a:p>
             <a:fld id="{241EB5C9-1307-BA42-ABA2-0BC069CD8E7F}" type="datetimeFigureOut">
               <a:rPr lang="en-US" smtClean="0"/>
-              <a:t>1/18/2019</a:t>
+              <a:t>1/19/2019</a:t>
             </a:fld>
             <a:endParaRPr lang="en-US"/>
           </a:p>
@@ -3496,13 +3146,7 @@
       </p:sp>
       <p:sp>
         <p:nvSpPr>
-          <p:cNvPr id="5" name="Footer Placeholder 4">
-            <a:extLst>
-              <a:ext uri="{FF2B5EF4-FFF2-40B4-BE49-F238E27FC236}">
-                <a16:creationId xmlns:a16="http://schemas.microsoft.com/office/drawing/2014/main" id="{8CE62A4A-AEEE-4A22-B878-11F322F4D7AA}"/>
-              </a:ext>
-            </a:extLst>
-          </p:cNvPr>
+          <p:cNvPr id="5" name="Footer Placeholder 4"/>
           <p:cNvSpPr>
             <a:spLocks noGrp="1"/>
           </p:cNvSpPr>
@@ -3512,8 +3156,8 @@
         </p:nvSpPr>
         <p:spPr>
           <a:xfrm>
-            <a:off x="4038600" y="6356350"/>
-            <a:ext cx="4114800" cy="365125"/>
+            <a:off x="3281363" y="6356352"/>
+            <a:ext cx="3343275" cy="365125"/>
           </a:xfrm>
           <a:prstGeom prst="rect">
             <a:avLst/>
@@ -3539,13 +3183,7 @@
       </p:sp>
       <p:sp>
         <p:nvSpPr>
-          <p:cNvPr id="6" name="Slide Number Placeholder 5">
-            <a:extLst>
-              <a:ext uri="{FF2B5EF4-FFF2-40B4-BE49-F238E27FC236}">
-                <a16:creationId xmlns:a16="http://schemas.microsoft.com/office/drawing/2014/main" id="{56D64387-C259-4A98-B2D6-BB3735172DA2}"/>
-              </a:ext>
-            </a:extLst>
-          </p:cNvPr>
+          <p:cNvPr id="6" name="Slide Number Placeholder 5"/>
           <p:cNvSpPr>
             <a:spLocks noGrp="1"/>
           </p:cNvSpPr>
@@ -3555,8 +3193,8 @@
         </p:nvSpPr>
         <p:spPr>
           <a:xfrm>
-            <a:off x="8610600" y="6356350"/>
-            <a:ext cx="2743200" cy="365125"/>
+            <a:off x="6996113" y="6356352"/>
+            <a:ext cx="2228850" cy="365125"/>
           </a:xfrm>
           <a:prstGeom prst="rect">
             <a:avLst/>
@@ -3589,7 +3227,7 @@
           <p:cNvPr id="7" name="Picture 6" descr="A close up of a sign&#10;&#10;Description automatically generated">
             <a:extLst>
               <a:ext uri="{FF2B5EF4-FFF2-40B4-BE49-F238E27FC236}">
-                <a16:creationId xmlns:a16="http://schemas.microsoft.com/office/drawing/2014/main" id="{EF480DE0-4EBB-4EE0-9AFF-BAD61EB3B1DD}"/>
+                <a16:creationId xmlns:a16="http://schemas.microsoft.com/office/drawing/2014/main" id="{7DEDE7C0-BD85-460A-A7DE-618AF32CDEAF}"/>
               </a:ext>
             </a:extLst>
           </p:cNvPr>
@@ -3606,8 +3244,8 @@
         </p:blipFill>
         <p:spPr>
           <a:xfrm>
-            <a:off x="11433527" y="6176962"/>
-            <a:ext cx="758473" cy="681037"/>
+            <a:off x="9289741" y="6176963"/>
+            <a:ext cx="616259" cy="681037"/>
           </a:xfrm>
           <a:prstGeom prst="rect">
             <a:avLst/>
@@ -3617,23 +3255,23 @@
     </p:spTree>
     <p:extLst>
       <p:ext uri="{BB962C8B-B14F-4D97-AF65-F5344CB8AC3E}">
-        <p14:creationId xmlns:p14="http://schemas.microsoft.com/office/powerpoint/2010/main" val="2615672284"/>
+        <p14:creationId xmlns:p14="http://schemas.microsoft.com/office/powerpoint/2010/main" val="2957868525"/>
       </p:ext>
     </p:extLst>
   </p:cSld>
   <p:clrMap bg1="lt1" tx1="dk1" bg2="lt2" tx2="dk2" accent1="accent1" accent2="accent2" accent3="accent3" accent4="accent4" accent5="accent5" accent6="accent6" hlink="hlink" folHlink="folHlink"/>
   <p:sldLayoutIdLst>
-    <p:sldLayoutId id="2147483727" r:id="rId1"/>
-    <p:sldLayoutId id="2147483728" r:id="rId2"/>
-    <p:sldLayoutId id="2147483729" r:id="rId3"/>
-    <p:sldLayoutId id="2147483730" r:id="rId4"/>
-    <p:sldLayoutId id="2147483731" r:id="rId5"/>
-    <p:sldLayoutId id="2147483732" r:id="rId6"/>
-    <p:sldLayoutId id="2147483733" r:id="rId7"/>
-    <p:sldLayoutId id="2147483734" r:id="rId8"/>
-    <p:sldLayoutId id="2147483735" r:id="rId9"/>
-    <p:sldLayoutId id="2147483736" r:id="rId10"/>
-    <p:sldLayoutId id="2147483737" r:id="rId11"/>
+    <p:sldLayoutId id="2147483739" r:id="rId1"/>
+    <p:sldLayoutId id="2147483740" r:id="rId2"/>
+    <p:sldLayoutId id="2147483741" r:id="rId3"/>
+    <p:sldLayoutId id="2147483742" r:id="rId4"/>
+    <p:sldLayoutId id="2147483743" r:id="rId5"/>
+    <p:sldLayoutId id="2147483744" r:id="rId6"/>
+    <p:sldLayoutId id="2147483745" r:id="rId7"/>
+    <p:sldLayoutId id="2147483746" r:id="rId8"/>
+    <p:sldLayoutId id="2147483747" r:id="rId9"/>
+    <p:sldLayoutId id="2147483748" r:id="rId10"/>
+    <p:sldLayoutId id="2147483749" r:id="rId11"/>
   </p:sldLayoutIdLst>
   <p:txStyles>
     <p:titleStyle>
@@ -3645,7 +3283,7 @@
           <a:spcPct val="0"/>
         </a:spcBef>
         <a:buNone/>
-        <a:defRPr sz="5600" b="1" kern="1200">
+        <a:defRPr sz="4400" b="1" kern="1200">
           <a:solidFill>
             <a:schemeClr val="tx1"/>
           </a:solidFill>
@@ -3947,8 +3585,8 @@
         </p:nvSpPr>
         <p:spPr>
           <a:xfrm>
-            <a:off x="3045368" y="2043663"/>
-            <a:ext cx="6105194" cy="2031055"/>
+            <a:off x="2474362" y="2303414"/>
+            <a:ext cx="4960470" cy="1650232"/>
           </a:xfrm>
         </p:spPr>
         <p:txBody>
@@ -3980,8 +3618,8 @@
         </p:nvSpPr>
         <p:spPr>
           <a:xfrm>
-            <a:off x="3045368" y="4074718"/>
-            <a:ext cx="6105194" cy="682079"/>
+            <a:off x="2474362" y="3953646"/>
+            <a:ext cx="4960470" cy="554189"/>
           </a:xfrm>
         </p:spPr>
         <p:txBody>
@@ -4283,7 +3921,7 @@
 <file path=ppt/theme/theme1.xml><?xml version="1.0" encoding="utf-8"?>
 <a:theme xmlns:a="http://schemas.openxmlformats.org/drawingml/2006/main" name="Office Theme">
   <a:themeElements>
-    <a:clrScheme name="Office">
+    <a:clrScheme name="Office Theme">
       <a:dk1>
         <a:sysClr val="windowText" lastClr="000000"/>
       </a:dk1>
@@ -4321,19 +3959,19 @@
         <a:srgbClr val="954F72"/>
       </a:folHlink>
     </a:clrScheme>
-    <a:fontScheme name="URW Geometric">
+    <a:fontScheme name="Biolinum / Libertine">
       <a:majorFont>
-        <a:latin typeface="URW Geometric"/>
+        <a:latin typeface="Linux Biolinum O"/>
         <a:ea typeface=""/>
         <a:cs typeface=""/>
       </a:majorFont>
       <a:minorFont>
-        <a:latin typeface="URW Geometric"/>
+        <a:latin typeface="Linux Libertine O"/>
         <a:ea typeface=""/>
         <a:cs typeface=""/>
       </a:minorFont>
     </a:fontScheme>
-    <a:fmtScheme name="Office">
+    <a:fmtScheme name="Office Theme">
       <a:fillStyleLst>
         <a:solidFill>
           <a:schemeClr val="phClr"/>

--- a/slides/custom-reference.pptx
+++ b/slides/custom-reference.pptx
@@ -2,24 +2,24 @@
 <file path=ppt/presentation.xml><?xml version="1.0" encoding="utf-8"?>
 <p:presentation xmlns:a="http://schemas.openxmlformats.org/drawingml/2006/main" xmlns:r="http://schemas.openxmlformats.org/officeDocument/2006/relationships" xmlns:p="http://schemas.openxmlformats.org/presentationml/2006/main" saveSubsetFonts="1" autoCompressPictures="0">
   <p:sldMasterIdLst>
-    <p:sldMasterId id="2147483738" r:id="rId1"/>
+    <p:sldMasterId id="2147483726" r:id="rId1"/>
   </p:sldMasterIdLst>
   <p:notesMasterIdLst>
     <p:notesMasterId r:id="rId6"/>
   </p:notesMasterIdLst>
   <p:sldIdLst>
-    <p:sldId id="256" r:id="rId2"/>
-    <p:sldId id="257" r:id="rId3"/>
-    <p:sldId id="258" r:id="rId4"/>
-    <p:sldId id="259" r:id="rId5"/>
+    <p:sldId id="260" r:id="rId2"/>
+    <p:sldId id="261" r:id="rId3"/>
+    <p:sldId id="262" r:id="rId4"/>
+    <p:sldId id="263" r:id="rId5"/>
   </p:sldIdLst>
-  <p:sldSz cx="9906000" cy="6858000" type="A4"/>
+  <p:sldSz cx="12192000" cy="6858000"/>
   <p:notesSz cx="6858000" cy="9144000"/>
   <p:defaultTextStyle>
     <a:defPPr>
       <a:defRPr lang="en-US"/>
     </a:defPPr>
-    <a:lvl1pPr marL="0" algn="l" defTabSz="457200" rtl="0" eaLnBrk="1" latinLnBrk="0" hangingPunct="1">
+    <a:lvl1pPr marL="0" algn="l" defTabSz="914400" rtl="0" eaLnBrk="1" latinLnBrk="0" hangingPunct="1">
       <a:defRPr sz="1800" kern="1200">
         <a:solidFill>
           <a:schemeClr val="tx1"/>
@@ -29,7 +29,7 @@
         <a:cs typeface="+mn-cs"/>
       </a:defRPr>
     </a:lvl1pPr>
-    <a:lvl2pPr marL="457200" algn="l" defTabSz="457200" rtl="0" eaLnBrk="1" latinLnBrk="0" hangingPunct="1">
+    <a:lvl2pPr marL="457200" algn="l" defTabSz="914400" rtl="0" eaLnBrk="1" latinLnBrk="0" hangingPunct="1">
       <a:defRPr sz="1800" kern="1200">
         <a:solidFill>
           <a:schemeClr val="tx1"/>
@@ -39,7 +39,7 @@
         <a:cs typeface="+mn-cs"/>
       </a:defRPr>
     </a:lvl2pPr>
-    <a:lvl3pPr marL="914400" algn="l" defTabSz="457200" rtl="0" eaLnBrk="1" latinLnBrk="0" hangingPunct="1">
+    <a:lvl3pPr marL="914400" algn="l" defTabSz="914400" rtl="0" eaLnBrk="1" latinLnBrk="0" hangingPunct="1">
       <a:defRPr sz="1800" kern="1200">
         <a:solidFill>
           <a:schemeClr val="tx1"/>
@@ -49,7 +49,7 @@
         <a:cs typeface="+mn-cs"/>
       </a:defRPr>
     </a:lvl3pPr>
-    <a:lvl4pPr marL="1371600" algn="l" defTabSz="457200" rtl="0" eaLnBrk="1" latinLnBrk="0" hangingPunct="1">
+    <a:lvl4pPr marL="1371600" algn="l" defTabSz="914400" rtl="0" eaLnBrk="1" latinLnBrk="0" hangingPunct="1">
       <a:defRPr sz="1800" kern="1200">
         <a:solidFill>
           <a:schemeClr val="tx1"/>
@@ -59,7 +59,7 @@
         <a:cs typeface="+mn-cs"/>
       </a:defRPr>
     </a:lvl4pPr>
-    <a:lvl5pPr marL="1828800" algn="l" defTabSz="457200" rtl="0" eaLnBrk="1" latinLnBrk="0" hangingPunct="1">
+    <a:lvl5pPr marL="1828800" algn="l" defTabSz="914400" rtl="0" eaLnBrk="1" latinLnBrk="0" hangingPunct="1">
       <a:defRPr sz="1800" kern="1200">
         <a:solidFill>
           <a:schemeClr val="tx1"/>
@@ -69,7 +69,7 @@
         <a:cs typeface="+mn-cs"/>
       </a:defRPr>
     </a:lvl5pPr>
-    <a:lvl6pPr marL="2286000" algn="l" defTabSz="457200" rtl="0" eaLnBrk="1" latinLnBrk="0" hangingPunct="1">
+    <a:lvl6pPr marL="2286000" algn="l" defTabSz="914400" rtl="0" eaLnBrk="1" latinLnBrk="0" hangingPunct="1">
       <a:defRPr sz="1800" kern="1200">
         <a:solidFill>
           <a:schemeClr val="tx1"/>
@@ -79,7 +79,7 @@
         <a:cs typeface="+mn-cs"/>
       </a:defRPr>
     </a:lvl6pPr>
-    <a:lvl7pPr marL="2743200" algn="l" defTabSz="457200" rtl="0" eaLnBrk="1" latinLnBrk="0" hangingPunct="1">
+    <a:lvl7pPr marL="2743200" algn="l" defTabSz="914400" rtl="0" eaLnBrk="1" latinLnBrk="0" hangingPunct="1">
       <a:defRPr sz="1800" kern="1200">
         <a:solidFill>
           <a:schemeClr val="tx1"/>
@@ -89,7 +89,7 @@
         <a:cs typeface="+mn-cs"/>
       </a:defRPr>
     </a:lvl7pPr>
-    <a:lvl8pPr marL="3200400" algn="l" defTabSz="457200" rtl="0" eaLnBrk="1" latinLnBrk="0" hangingPunct="1">
+    <a:lvl8pPr marL="3200400" algn="l" defTabSz="914400" rtl="0" eaLnBrk="1" latinLnBrk="0" hangingPunct="1">
       <a:defRPr sz="1800" kern="1200">
         <a:solidFill>
           <a:schemeClr val="tx1"/>
@@ -99,7 +99,7 @@
         <a:cs typeface="+mn-cs"/>
       </a:defRPr>
     </a:lvl8pPr>
-    <a:lvl9pPr marL="3657600" algn="l" defTabSz="457200" rtl="0" eaLnBrk="1" latinLnBrk="0" hangingPunct="1">
+    <a:lvl9pPr marL="3657600" algn="l" defTabSz="914400" rtl="0" eaLnBrk="1" latinLnBrk="0" hangingPunct="1">
       <a:defRPr sz="1800" kern="1200">
         <a:solidFill>
           <a:schemeClr val="tx1"/>
@@ -118,7 +118,7 @@
             <a:srgbClr val="A4A3A4"/>
           </p15:clr>
         </p15:guide>
-        <p15:guide id="2" pos="3120" userDrawn="1">
+        <p15:guide id="2" pos="3840" userDrawn="1">
           <p15:clr>
             <a:srgbClr val="A4A3A4"/>
           </p15:clr>
@@ -229,8 +229,8 @@
         </p:nvSpPr>
         <p:spPr>
           <a:xfrm>
-            <a:off x="1200150" y="1143000"/>
-            <a:ext cx="4457700" cy="3086100"/>
+            <a:off x="685800" y="1143000"/>
+            <a:ext cx="5486400" cy="3086100"/>
           </a:xfrm>
           <a:prstGeom prst="rect">
             <a:avLst/>
@@ -478,213 +478,6 @@
 </p:notesMaster>
 </file>
 
-<file path=ppt/notesSlides/notesSlide1.xml><?xml version="1.0" encoding="utf-8"?>
-<p:notes xmlns:a="http://schemas.openxmlformats.org/drawingml/2006/main" xmlns:r="http://schemas.openxmlformats.org/officeDocument/2006/relationships" xmlns:p="http://schemas.openxmlformats.org/presentationml/2006/main">
-  <p:cSld>
-    <p:spTree>
-      <p:nvGrpSpPr>
-        <p:cNvPr id="1" name=""/>
-        <p:cNvGrpSpPr/>
-        <p:nvPr/>
-      </p:nvGrpSpPr>
-      <p:grpSpPr>
-        <a:xfrm>
-          <a:off x="0" y="0"/>
-          <a:ext cx="0" cy="0"/>
-          <a:chOff x="0" y="0"/>
-          <a:chExt cx="0" cy="0"/>
-        </a:xfrm>
-      </p:grpSpPr>
-      <p:sp>
-        <p:nvSpPr>
-          <p:cNvPr id="2" name="Slide Image Placeholder 1"/>
-          <p:cNvSpPr>
-            <a:spLocks noGrp="1" noRot="1" noChangeAspect="1"/>
-          </p:cNvSpPr>
-          <p:nvPr>
-            <p:ph type="sldImg"/>
-          </p:nvPr>
-        </p:nvSpPr>
-        <p:spPr>
-          <a:xfrm>
-            <a:off x="1200150" y="1143000"/>
-            <a:ext cx="4457700" cy="3086100"/>
-          </a:xfrm>
-        </p:spPr>
-      </p:sp>
-      <p:sp>
-        <p:nvSpPr>
-          <p:cNvPr id="3" name="Notes Placeholder 2"/>
-          <p:cNvSpPr>
-            <a:spLocks noGrp="1"/>
-          </p:cNvSpPr>
-          <p:nvPr>
-            <p:ph type="body" idx="1"/>
-          </p:nvPr>
-        </p:nvSpPr>
-        <p:spPr/>
-        <p:txBody>
-          <a:bodyPr/>
-          <a:lstStyle/>
-          <a:p>
-            <a:r>
-              <a:rPr lang="en-US" dirty="0"/>
-              <a:t>Here</a:t>
-            </a:r>
-            <a:r>
-              <a:rPr lang="en-US" baseline="0" dirty="0"/>
-              <a:t> is a note</a:t>
-            </a:r>
-          </a:p>
-          <a:p>
-            <a:endParaRPr lang="en-US" baseline="0" dirty="0"/>
-          </a:p>
-          <a:p>
-            <a:r>
-              <a:rPr lang="en-US" baseline="0" dirty="0"/>
-              <a:t>With another paragraph.</a:t>
-            </a:r>
-            <a:endParaRPr lang="en-US" dirty="0"/>
-          </a:p>
-        </p:txBody>
-      </p:sp>
-      <p:sp>
-        <p:nvSpPr>
-          <p:cNvPr id="4" name="Slide Number Placeholder 3"/>
-          <p:cNvSpPr>
-            <a:spLocks noGrp="1"/>
-          </p:cNvSpPr>
-          <p:nvPr>
-            <p:ph type="sldNum" sz="quarter" idx="10"/>
-          </p:nvPr>
-        </p:nvSpPr>
-        <p:spPr/>
-        <p:txBody>
-          <a:bodyPr/>
-          <a:lstStyle/>
-          <a:p>
-            <a:fld id="{18BDFEC3-8487-43E8-A154-7C12CBC1FFF2}" type="slidenum">
-              <a:rPr lang="en-US" smtClean="0"/>
-              <a:t>1</a:t>
-            </a:fld>
-            <a:endParaRPr lang="en-US"/>
-          </a:p>
-        </p:txBody>
-      </p:sp>
-    </p:spTree>
-    <p:extLst>
-      <p:ext uri="{BB962C8B-B14F-4D97-AF65-F5344CB8AC3E}">
-        <p14:creationId xmlns:p14="http://schemas.microsoft.com/office/powerpoint/2010/main" val="3171319170"/>
-      </p:ext>
-    </p:extLst>
-  </p:cSld>
-  <p:clrMapOvr>
-    <a:masterClrMapping/>
-  </p:clrMapOvr>
-</p:notes>
-</file>
-
-<file path=ppt/notesSlides/notesSlide2.xml><?xml version="1.0" encoding="utf-8"?>
-<p:notes xmlns:a="http://schemas.openxmlformats.org/drawingml/2006/main" xmlns:r="http://schemas.openxmlformats.org/officeDocument/2006/relationships" xmlns:p="http://schemas.openxmlformats.org/presentationml/2006/main">
-  <p:cSld>
-    <p:spTree>
-      <p:nvGrpSpPr>
-        <p:cNvPr id="1" name=""/>
-        <p:cNvGrpSpPr/>
-        <p:nvPr/>
-      </p:nvGrpSpPr>
-      <p:grpSpPr>
-        <a:xfrm>
-          <a:off x="0" y="0"/>
-          <a:ext cx="0" cy="0"/>
-          <a:chOff x="0" y="0"/>
-          <a:chExt cx="0" cy="0"/>
-        </a:xfrm>
-      </p:grpSpPr>
-      <p:sp>
-        <p:nvSpPr>
-          <p:cNvPr id="2" name="Slide Image Placeholder 1"/>
-          <p:cNvSpPr>
-            <a:spLocks noGrp="1" noRot="1" noChangeAspect="1"/>
-          </p:cNvSpPr>
-          <p:nvPr>
-            <p:ph type="sldImg"/>
-          </p:nvPr>
-        </p:nvSpPr>
-        <p:spPr>
-          <a:xfrm>
-            <a:off x="1200150" y="1143000"/>
-            <a:ext cx="4457700" cy="3086100"/>
-          </a:xfrm>
-        </p:spPr>
-      </p:sp>
-      <p:sp>
-        <p:nvSpPr>
-          <p:cNvPr id="3" name="Notes Placeholder 2"/>
-          <p:cNvSpPr>
-            <a:spLocks noGrp="1"/>
-          </p:cNvSpPr>
-          <p:nvPr>
-            <p:ph type="body" idx="1"/>
-          </p:nvPr>
-        </p:nvSpPr>
-        <p:spPr/>
-        <p:txBody>
-          <a:bodyPr/>
-          <a:lstStyle/>
-          <a:p>
-            <a:r>
-              <a:rPr lang="en-US" dirty="0"/>
-              <a:t>A</a:t>
-            </a:r>
-            <a:r>
-              <a:rPr lang="en-US" baseline="0" dirty="0"/>
-              <a:t> speaker note on </a:t>
-            </a:r>
-            <a:r>
-              <a:rPr lang="en-US" baseline="0"/>
-              <a:t>this slide too.</a:t>
-            </a:r>
-            <a:endParaRPr lang="en-US"/>
-          </a:p>
-        </p:txBody>
-      </p:sp>
-      <p:sp>
-        <p:nvSpPr>
-          <p:cNvPr id="4" name="Slide Number Placeholder 3"/>
-          <p:cNvSpPr>
-            <a:spLocks noGrp="1"/>
-          </p:cNvSpPr>
-          <p:nvPr>
-            <p:ph type="sldNum" sz="quarter" idx="10"/>
-          </p:nvPr>
-        </p:nvSpPr>
-        <p:spPr/>
-        <p:txBody>
-          <a:bodyPr/>
-          <a:lstStyle/>
-          <a:p>
-            <a:fld id="{18BDFEC3-8487-43E8-A154-7C12CBC1FFF2}" type="slidenum">
-              <a:rPr lang="en-US" smtClean="0"/>
-              <a:t>2</a:t>
-            </a:fld>
-            <a:endParaRPr lang="en-US"/>
-          </a:p>
-        </p:txBody>
-      </p:sp>
-    </p:spTree>
-    <p:extLst>
-      <p:ext uri="{BB962C8B-B14F-4D97-AF65-F5344CB8AC3E}">
-        <p14:creationId xmlns:p14="http://schemas.microsoft.com/office/powerpoint/2010/main" val="3016900036"/>
-      </p:ext>
-    </p:extLst>
-  </p:cSld>
-  <p:clrMapOvr>
-    <a:masterClrMapping/>
-  </p:clrMapOvr>
-</p:notes>
-</file>
-
 <file path=ppt/slideLayouts/slideLayout1.xml><?xml version="1.0" encoding="utf-8"?>
 <p:sldLayout xmlns:a="http://schemas.openxmlformats.org/drawingml/2006/main" xmlns:r="http://schemas.openxmlformats.org/officeDocument/2006/relationships" xmlns:p="http://schemas.openxmlformats.org/presentationml/2006/main" type="title" preserve="1">
   <p:cSld name="Title Slide">
@@ -704,7 +497,13 @@
       </p:grpSpPr>
       <p:sp>
         <p:nvSpPr>
-          <p:cNvPr id="2" name="Title 1"/>
+          <p:cNvPr id="2" name="Title 1">
+            <a:extLst>
+              <a:ext uri="{FF2B5EF4-FFF2-40B4-BE49-F238E27FC236}">
+                <a16:creationId xmlns:a16="http://schemas.microsoft.com/office/drawing/2014/main" id="{63D5AE47-F507-4AB6-904D-574120158929}"/>
+              </a:ext>
+            </a:extLst>
+          </p:cNvPr>
           <p:cNvSpPr>
             <a:spLocks noGrp="1"/>
           </p:cNvSpPr>
@@ -714,29 +513,36 @@
         </p:nvSpPr>
         <p:spPr>
           <a:xfrm>
-            <a:off x="742950" y="1122363"/>
-            <a:ext cx="8420100" cy="2387600"/>
+            <a:off x="1524000" y="1122363"/>
+            <a:ext cx="9144000" cy="2387600"/>
           </a:xfrm>
         </p:spPr>
         <p:txBody>
-          <a:bodyPr anchor="b"/>
+          <a:bodyPr anchor="b">
+            <a:normAutofit/>
+          </a:bodyPr>
           <a:lstStyle>
             <a:lvl1pPr algn="ctr">
-              <a:defRPr sz="6000"/>
+              <a:defRPr sz="5600"/>
             </a:lvl1pPr>
           </a:lstStyle>
           <a:p>
             <a:r>
-              <a:rPr lang="en-US"/>
+              <a:rPr lang="en-US" dirty="0"/>
               <a:t>Click to edit Master title style</a:t>
             </a:r>
-            <a:endParaRPr lang="en-US" dirty="0"/>
-          </a:p>
-        </p:txBody>
-      </p:sp>
-      <p:sp>
-        <p:nvSpPr>
-          <p:cNvPr id="3" name="Subtitle 2"/>
+          </a:p>
+        </p:txBody>
+      </p:sp>
+      <p:sp>
+        <p:nvSpPr>
+          <p:cNvPr id="3" name="Subtitle 2">
+            <a:extLst>
+              <a:ext uri="{FF2B5EF4-FFF2-40B4-BE49-F238E27FC236}">
+                <a16:creationId xmlns:a16="http://schemas.microsoft.com/office/drawing/2014/main" id="{520A652D-A4B4-4986-BF2E-683BD4B49BC1}"/>
+              </a:ext>
+            </a:extLst>
+          </p:cNvPr>
           <p:cNvSpPr>
             <a:spLocks noGrp="1"/>
           </p:cNvSpPr>
@@ -746,16 +552,18 @@
         </p:nvSpPr>
         <p:spPr>
           <a:xfrm>
-            <a:off x="1238250" y="3602038"/>
-            <a:ext cx="7429500" cy="1655762"/>
+            <a:off x="1524000" y="3602038"/>
+            <a:ext cx="9144000" cy="1655762"/>
           </a:xfrm>
         </p:spPr>
         <p:txBody>
-          <a:bodyPr/>
+          <a:bodyPr>
+            <a:normAutofit/>
+          </a:bodyPr>
           <a:lstStyle>
             <a:lvl1pPr marL="0" indent="0" algn="ctr">
               <a:buNone/>
-              <a:defRPr sz="2400"/>
+              <a:defRPr sz="2800"/>
             </a:lvl1pPr>
             <a:lvl2pPr marL="457200" indent="0" algn="ctr">
               <a:buNone/>
@@ -792,16 +600,21 @@
           </a:lstStyle>
           <a:p>
             <a:r>
-              <a:rPr lang="en-US"/>
+              <a:rPr lang="en-US" dirty="0"/>
               <a:t>Click to edit Master subtitle style</a:t>
             </a:r>
-            <a:endParaRPr lang="en-US" dirty="0"/>
-          </a:p>
-        </p:txBody>
-      </p:sp>
-      <p:sp>
-        <p:nvSpPr>
-          <p:cNvPr id="4" name="Date Placeholder 3"/>
+          </a:p>
+        </p:txBody>
+      </p:sp>
+      <p:sp>
+        <p:nvSpPr>
+          <p:cNvPr id="4" name="Date Placeholder 3">
+            <a:extLst>
+              <a:ext uri="{FF2B5EF4-FFF2-40B4-BE49-F238E27FC236}">
+                <a16:creationId xmlns:a16="http://schemas.microsoft.com/office/drawing/2014/main" id="{92A775DE-DD65-4586-9C9E-A2E77923FF6C}"/>
+              </a:ext>
+            </a:extLst>
+          </p:cNvPr>
           <p:cNvSpPr>
             <a:spLocks noGrp="1"/>
           </p:cNvSpPr>
@@ -824,7 +637,13 @@
       </p:sp>
       <p:sp>
         <p:nvSpPr>
-          <p:cNvPr id="5" name="Footer Placeholder 4"/>
+          <p:cNvPr id="5" name="Footer Placeholder 4">
+            <a:extLst>
+              <a:ext uri="{FF2B5EF4-FFF2-40B4-BE49-F238E27FC236}">
+                <a16:creationId xmlns:a16="http://schemas.microsoft.com/office/drawing/2014/main" id="{D9DFE575-6163-4121-A4A2-42B4F79D5385}"/>
+              </a:ext>
+            </a:extLst>
+          </p:cNvPr>
           <p:cNvSpPr>
             <a:spLocks noGrp="1"/>
           </p:cNvSpPr>
@@ -843,7 +662,13 @@
       </p:sp>
       <p:sp>
         <p:nvSpPr>
-          <p:cNvPr id="6" name="Slide Number Placeholder 5"/>
+          <p:cNvPr id="6" name="Slide Number Placeholder 5">
+            <a:extLst>
+              <a:ext uri="{FF2B5EF4-FFF2-40B4-BE49-F238E27FC236}">
+                <a16:creationId xmlns:a16="http://schemas.microsoft.com/office/drawing/2014/main" id="{78E656B9-D885-4DB2-B241-4193A414898F}"/>
+              </a:ext>
+            </a:extLst>
+          </p:cNvPr>
           <p:cNvSpPr>
             <a:spLocks noGrp="1"/>
           </p:cNvSpPr>
@@ -867,7 +692,7 @@
     </p:spTree>
     <p:extLst>
       <p:ext uri="{BB962C8B-B14F-4D97-AF65-F5344CB8AC3E}">
-        <p14:creationId xmlns:p14="http://schemas.microsoft.com/office/powerpoint/2010/main" val="1490408290"/>
+        <p14:creationId xmlns:p14="http://schemas.microsoft.com/office/powerpoint/2010/main" val="376817045"/>
       </p:ext>
     </p:extLst>
   </p:cSld>
@@ -896,7 +721,13 @@
       </p:grpSpPr>
       <p:sp>
         <p:nvSpPr>
-          <p:cNvPr id="2" name="Title 1"/>
+          <p:cNvPr id="2" name="Title 1">
+            <a:extLst>
+              <a:ext uri="{FF2B5EF4-FFF2-40B4-BE49-F238E27FC236}">
+                <a16:creationId xmlns:a16="http://schemas.microsoft.com/office/drawing/2014/main" id="{B4F7CDDB-CB28-4455-B5E5-441ECA3F25F4}"/>
+              </a:ext>
+            </a:extLst>
+          </p:cNvPr>
           <p:cNvSpPr>
             <a:spLocks noGrp="1"/>
           </p:cNvSpPr>
@@ -913,13 +744,18 @@
               <a:rPr lang="en-US"/>
               <a:t>Click to edit Master title style</a:t>
             </a:r>
-            <a:endParaRPr lang="en-US" dirty="0"/>
-          </a:p>
-        </p:txBody>
-      </p:sp>
-      <p:sp>
-        <p:nvSpPr>
-          <p:cNvPr id="3" name="Vertical Text Placeholder 2"/>
+          </a:p>
+        </p:txBody>
+      </p:sp>
+      <p:sp>
+        <p:nvSpPr>
+          <p:cNvPr id="3" name="Vertical Text Placeholder 2">
+            <a:extLst>
+              <a:ext uri="{FF2B5EF4-FFF2-40B4-BE49-F238E27FC236}">
+                <a16:creationId xmlns:a16="http://schemas.microsoft.com/office/drawing/2014/main" id="{537A25D8-E46F-4469-B17A-FAA1473C7442}"/>
+              </a:ext>
+            </a:extLst>
+          </p:cNvPr>
           <p:cNvSpPr>
             <a:spLocks noGrp="1"/>
           </p:cNvSpPr>
@@ -965,13 +801,18 @@
               <a:rPr lang="en-US"/>
               <a:t>Fifth level</a:t>
             </a:r>
-            <a:endParaRPr lang="en-US" dirty="0"/>
-          </a:p>
-        </p:txBody>
-      </p:sp>
-      <p:sp>
-        <p:nvSpPr>
-          <p:cNvPr id="4" name="Date Placeholder 3"/>
+          </a:p>
+        </p:txBody>
+      </p:sp>
+      <p:sp>
+        <p:nvSpPr>
+          <p:cNvPr id="4" name="Date Placeholder 3">
+            <a:extLst>
+              <a:ext uri="{FF2B5EF4-FFF2-40B4-BE49-F238E27FC236}">
+                <a16:creationId xmlns:a16="http://schemas.microsoft.com/office/drawing/2014/main" id="{128C39CF-0ED4-4C3F-BE0A-3DD13203D0AF}"/>
+              </a:ext>
+            </a:extLst>
+          </p:cNvPr>
           <p:cNvSpPr>
             <a:spLocks noGrp="1"/>
           </p:cNvSpPr>
@@ -994,7 +835,13 @@
       </p:sp>
       <p:sp>
         <p:nvSpPr>
-          <p:cNvPr id="5" name="Footer Placeholder 4"/>
+          <p:cNvPr id="5" name="Footer Placeholder 4">
+            <a:extLst>
+              <a:ext uri="{FF2B5EF4-FFF2-40B4-BE49-F238E27FC236}">
+                <a16:creationId xmlns:a16="http://schemas.microsoft.com/office/drawing/2014/main" id="{928ED3F7-026F-48D1-A051-E76312D2992C}"/>
+              </a:ext>
+            </a:extLst>
+          </p:cNvPr>
           <p:cNvSpPr>
             <a:spLocks noGrp="1"/>
           </p:cNvSpPr>
@@ -1013,7 +860,13 @@
       </p:sp>
       <p:sp>
         <p:nvSpPr>
-          <p:cNvPr id="6" name="Slide Number Placeholder 5"/>
+          <p:cNvPr id="6" name="Slide Number Placeholder 5">
+            <a:extLst>
+              <a:ext uri="{FF2B5EF4-FFF2-40B4-BE49-F238E27FC236}">
+                <a16:creationId xmlns:a16="http://schemas.microsoft.com/office/drawing/2014/main" id="{4D0E73E4-A99C-4D53-B4E9-5055439886AA}"/>
+              </a:ext>
+            </a:extLst>
+          </p:cNvPr>
           <p:cNvSpPr>
             <a:spLocks noGrp="1"/>
           </p:cNvSpPr>
@@ -1037,7 +890,7 @@
     </p:spTree>
     <p:extLst>
       <p:ext uri="{BB962C8B-B14F-4D97-AF65-F5344CB8AC3E}">
-        <p14:creationId xmlns:p14="http://schemas.microsoft.com/office/powerpoint/2010/main" val="1160897250"/>
+        <p14:creationId xmlns:p14="http://schemas.microsoft.com/office/powerpoint/2010/main" val="4092025272"/>
       </p:ext>
     </p:extLst>
   </p:cSld>
@@ -1066,7 +919,13 @@
       </p:grpSpPr>
       <p:sp>
         <p:nvSpPr>
-          <p:cNvPr id="2" name="Vertical Title 1"/>
+          <p:cNvPr id="2" name="Vertical Title 1">
+            <a:extLst>
+              <a:ext uri="{FF2B5EF4-FFF2-40B4-BE49-F238E27FC236}">
+                <a16:creationId xmlns:a16="http://schemas.microsoft.com/office/drawing/2014/main" id="{E1CC3756-25BD-47EB-8D44-9B2F4C65E32E}"/>
+              </a:ext>
+            </a:extLst>
+          </p:cNvPr>
           <p:cNvSpPr>
             <a:spLocks noGrp="1"/>
           </p:cNvSpPr>
@@ -1076,8 +935,8 @@
         </p:nvSpPr>
         <p:spPr>
           <a:xfrm>
-            <a:off x="7088982" y="365125"/>
-            <a:ext cx="2135981" cy="5811838"/>
+            <a:off x="8724900" y="365125"/>
+            <a:ext cx="2628900" cy="5811838"/>
           </a:xfrm>
         </p:spPr>
         <p:txBody>
@@ -1088,13 +947,18 @@
               <a:rPr lang="en-US"/>
               <a:t>Click to edit Master title style</a:t>
             </a:r>
-            <a:endParaRPr lang="en-US" dirty="0"/>
-          </a:p>
-        </p:txBody>
-      </p:sp>
-      <p:sp>
-        <p:nvSpPr>
-          <p:cNvPr id="3" name="Vertical Text Placeholder 2"/>
+          </a:p>
+        </p:txBody>
+      </p:sp>
+      <p:sp>
+        <p:nvSpPr>
+          <p:cNvPr id="3" name="Vertical Text Placeholder 2">
+            <a:extLst>
+              <a:ext uri="{FF2B5EF4-FFF2-40B4-BE49-F238E27FC236}">
+                <a16:creationId xmlns:a16="http://schemas.microsoft.com/office/drawing/2014/main" id="{E12B8429-9E1A-45F2-8949-17502FE5F4D3}"/>
+              </a:ext>
+            </a:extLst>
+          </p:cNvPr>
           <p:cNvSpPr>
             <a:spLocks noGrp="1"/>
           </p:cNvSpPr>
@@ -1104,8 +968,8 @@
         </p:nvSpPr>
         <p:spPr>
           <a:xfrm>
-            <a:off x="681038" y="365125"/>
-            <a:ext cx="6284119" cy="5811838"/>
+            <a:off x="838200" y="365125"/>
+            <a:ext cx="7734300" cy="5811838"/>
           </a:xfrm>
         </p:spPr>
         <p:txBody>
@@ -1145,13 +1009,18 @@
               <a:rPr lang="en-US"/>
               <a:t>Fifth level</a:t>
             </a:r>
-            <a:endParaRPr lang="en-US" dirty="0"/>
-          </a:p>
-        </p:txBody>
-      </p:sp>
-      <p:sp>
-        <p:nvSpPr>
-          <p:cNvPr id="4" name="Date Placeholder 3"/>
+          </a:p>
+        </p:txBody>
+      </p:sp>
+      <p:sp>
+        <p:nvSpPr>
+          <p:cNvPr id="4" name="Date Placeholder 3">
+            <a:extLst>
+              <a:ext uri="{FF2B5EF4-FFF2-40B4-BE49-F238E27FC236}">
+                <a16:creationId xmlns:a16="http://schemas.microsoft.com/office/drawing/2014/main" id="{63817AB1-DAB0-40F3-A60D-9ECBAA9D82C5}"/>
+              </a:ext>
+            </a:extLst>
+          </p:cNvPr>
           <p:cNvSpPr>
             <a:spLocks noGrp="1"/>
           </p:cNvSpPr>
@@ -1174,7 +1043,13 @@
       </p:sp>
       <p:sp>
         <p:nvSpPr>
-          <p:cNvPr id="5" name="Footer Placeholder 4"/>
+          <p:cNvPr id="5" name="Footer Placeholder 4">
+            <a:extLst>
+              <a:ext uri="{FF2B5EF4-FFF2-40B4-BE49-F238E27FC236}">
+                <a16:creationId xmlns:a16="http://schemas.microsoft.com/office/drawing/2014/main" id="{F48835C1-5807-48EC-8AE5-CA63AB3D44B7}"/>
+              </a:ext>
+            </a:extLst>
+          </p:cNvPr>
           <p:cNvSpPr>
             <a:spLocks noGrp="1"/>
           </p:cNvSpPr>
@@ -1193,7 +1068,13 @@
       </p:sp>
       <p:sp>
         <p:nvSpPr>
-          <p:cNvPr id="6" name="Slide Number Placeholder 5"/>
+          <p:cNvPr id="6" name="Slide Number Placeholder 5">
+            <a:extLst>
+              <a:ext uri="{FF2B5EF4-FFF2-40B4-BE49-F238E27FC236}">
+                <a16:creationId xmlns:a16="http://schemas.microsoft.com/office/drawing/2014/main" id="{13AFD1C9-9F52-4FD4-89C1-BE4076D6B8CF}"/>
+              </a:ext>
+            </a:extLst>
+          </p:cNvPr>
           <p:cNvSpPr>
             <a:spLocks noGrp="1"/>
           </p:cNvSpPr>
@@ -1217,7 +1098,7 @@
     </p:spTree>
     <p:extLst>
       <p:ext uri="{BB962C8B-B14F-4D97-AF65-F5344CB8AC3E}">
-        <p14:creationId xmlns:p14="http://schemas.microsoft.com/office/powerpoint/2010/main" val="3926694169"/>
+        <p14:creationId xmlns:p14="http://schemas.microsoft.com/office/powerpoint/2010/main" val="1795074371"/>
       </p:ext>
     </p:extLst>
   </p:cSld>
@@ -1246,7 +1127,13 @@
       </p:grpSpPr>
       <p:sp>
         <p:nvSpPr>
-          <p:cNvPr id="2" name="Title 1"/>
+          <p:cNvPr id="2" name="Title 1">
+            <a:extLst>
+              <a:ext uri="{FF2B5EF4-FFF2-40B4-BE49-F238E27FC236}">
+                <a16:creationId xmlns:a16="http://schemas.microsoft.com/office/drawing/2014/main" id="{B9171DC7-83DC-4812-B6D6-720FD0903317}"/>
+              </a:ext>
+            </a:extLst>
+          </p:cNvPr>
           <p:cNvSpPr>
             <a:spLocks noGrp="1"/>
           </p:cNvSpPr>
@@ -1263,13 +1150,18 @@
               <a:rPr lang="en-US"/>
               <a:t>Click to edit Master title style</a:t>
             </a:r>
-            <a:endParaRPr lang="en-US" dirty="0"/>
-          </a:p>
-        </p:txBody>
-      </p:sp>
-      <p:sp>
-        <p:nvSpPr>
-          <p:cNvPr id="3" name="Content Placeholder 2"/>
+          </a:p>
+        </p:txBody>
+      </p:sp>
+      <p:sp>
+        <p:nvSpPr>
+          <p:cNvPr id="3" name="Content Placeholder 2">
+            <a:extLst>
+              <a:ext uri="{FF2B5EF4-FFF2-40B4-BE49-F238E27FC236}">
+                <a16:creationId xmlns:a16="http://schemas.microsoft.com/office/drawing/2014/main" id="{E3951675-2757-4186-87D6-120677EA8D01}"/>
+              </a:ext>
+            </a:extLst>
+          </p:cNvPr>
           <p:cNvSpPr>
             <a:spLocks noGrp="1"/>
           </p:cNvSpPr>
@@ -1315,13 +1207,18 @@
               <a:rPr lang="en-US"/>
               <a:t>Fifth level</a:t>
             </a:r>
-            <a:endParaRPr lang="en-US" dirty="0"/>
-          </a:p>
-        </p:txBody>
-      </p:sp>
-      <p:sp>
-        <p:nvSpPr>
-          <p:cNvPr id="4" name="Date Placeholder 3"/>
+          </a:p>
+        </p:txBody>
+      </p:sp>
+      <p:sp>
+        <p:nvSpPr>
+          <p:cNvPr id="4" name="Date Placeholder 3">
+            <a:extLst>
+              <a:ext uri="{FF2B5EF4-FFF2-40B4-BE49-F238E27FC236}">
+                <a16:creationId xmlns:a16="http://schemas.microsoft.com/office/drawing/2014/main" id="{B98ECA6F-F439-442D-A62D-E7419D910852}"/>
+              </a:ext>
+            </a:extLst>
+          </p:cNvPr>
           <p:cNvSpPr>
             <a:spLocks noGrp="1"/>
           </p:cNvSpPr>
@@ -1344,7 +1241,13 @@
       </p:sp>
       <p:sp>
         <p:nvSpPr>
-          <p:cNvPr id="5" name="Footer Placeholder 4"/>
+          <p:cNvPr id="5" name="Footer Placeholder 4">
+            <a:extLst>
+              <a:ext uri="{FF2B5EF4-FFF2-40B4-BE49-F238E27FC236}">
+                <a16:creationId xmlns:a16="http://schemas.microsoft.com/office/drawing/2014/main" id="{8548F014-A5FD-40FA-8C08-D69D78CCD149}"/>
+              </a:ext>
+            </a:extLst>
+          </p:cNvPr>
           <p:cNvSpPr>
             <a:spLocks noGrp="1"/>
           </p:cNvSpPr>
@@ -1363,7 +1266,13 @@
       </p:sp>
       <p:sp>
         <p:nvSpPr>
-          <p:cNvPr id="6" name="Slide Number Placeholder 5"/>
+          <p:cNvPr id="6" name="Slide Number Placeholder 5">
+            <a:extLst>
+              <a:ext uri="{FF2B5EF4-FFF2-40B4-BE49-F238E27FC236}">
+                <a16:creationId xmlns:a16="http://schemas.microsoft.com/office/drawing/2014/main" id="{955B4537-72BE-4221-B7A6-6A4E55292F8C}"/>
+              </a:ext>
+            </a:extLst>
+          </p:cNvPr>
           <p:cNvSpPr>
             <a:spLocks noGrp="1"/>
           </p:cNvSpPr>
@@ -1387,7 +1296,7 @@
     </p:spTree>
     <p:extLst>
       <p:ext uri="{BB962C8B-B14F-4D97-AF65-F5344CB8AC3E}">
-        <p14:creationId xmlns:p14="http://schemas.microsoft.com/office/powerpoint/2010/main" val="1686305239"/>
+        <p14:creationId xmlns:p14="http://schemas.microsoft.com/office/powerpoint/2010/main" val="1902533375"/>
       </p:ext>
     </p:extLst>
   </p:cSld>
@@ -1416,7 +1325,13 @@
       </p:grpSpPr>
       <p:sp>
         <p:nvSpPr>
-          <p:cNvPr id="2" name="Title 1"/>
+          <p:cNvPr id="2" name="Title 1">
+            <a:extLst>
+              <a:ext uri="{FF2B5EF4-FFF2-40B4-BE49-F238E27FC236}">
+                <a16:creationId xmlns:a16="http://schemas.microsoft.com/office/drawing/2014/main" id="{A961E8F3-2071-45E9-B9B2-2CC1494E6117}"/>
+              </a:ext>
+            </a:extLst>
+          </p:cNvPr>
           <p:cNvSpPr>
             <a:spLocks noGrp="1"/>
           </p:cNvSpPr>
@@ -1426,29 +1341,36 @@
         </p:nvSpPr>
         <p:spPr>
           <a:xfrm>
-            <a:off x="675879" y="1709740"/>
-            <a:ext cx="8543925" cy="2852737"/>
+            <a:off x="831850" y="1709738"/>
+            <a:ext cx="10515600" cy="2852737"/>
           </a:xfrm>
         </p:spPr>
         <p:txBody>
-          <a:bodyPr anchor="b"/>
+          <a:bodyPr anchor="b">
+            <a:normAutofit/>
+          </a:bodyPr>
           <a:lstStyle>
             <a:lvl1pPr>
-              <a:defRPr sz="6000"/>
+              <a:defRPr sz="5600"/>
             </a:lvl1pPr>
           </a:lstStyle>
           <a:p>
             <a:r>
-              <a:rPr lang="en-US"/>
+              <a:rPr lang="en-US" dirty="0"/>
               <a:t>Click to edit Master title style</a:t>
             </a:r>
-            <a:endParaRPr lang="en-US" dirty="0"/>
-          </a:p>
-        </p:txBody>
-      </p:sp>
-      <p:sp>
-        <p:nvSpPr>
-          <p:cNvPr id="3" name="Text Placeholder 2"/>
+          </a:p>
+        </p:txBody>
+      </p:sp>
+      <p:sp>
+        <p:nvSpPr>
+          <p:cNvPr id="3" name="Text Placeholder 2">
+            <a:extLst>
+              <a:ext uri="{FF2B5EF4-FFF2-40B4-BE49-F238E27FC236}">
+                <a16:creationId xmlns:a16="http://schemas.microsoft.com/office/drawing/2014/main" id="{2A43B615-C304-4BEE-8040-200808965FEE}"/>
+              </a:ext>
+            </a:extLst>
+          </p:cNvPr>
           <p:cNvSpPr>
             <a:spLocks noGrp="1"/>
           </p:cNvSpPr>
@@ -1458,8 +1380,8 @@
         </p:nvSpPr>
         <p:spPr>
           <a:xfrm>
-            <a:off x="675879" y="4589465"/>
-            <a:ext cx="8543925" cy="1500187"/>
+            <a:off x="831850" y="4589463"/>
+            <a:ext cx="10515600" cy="1500187"/>
           </a:xfrm>
         </p:spPr>
         <p:txBody>
@@ -1469,7 +1391,9 @@
               <a:buNone/>
               <a:defRPr sz="2400">
                 <a:solidFill>
-                  <a:schemeClr val="tx1"/>
+                  <a:schemeClr val="tx1">
+                    <a:tint val="75000"/>
+                  </a:schemeClr>
                 </a:solidFill>
               </a:defRPr>
             </a:lvl1pPr>
@@ -1565,7 +1489,13 @@
       </p:sp>
       <p:sp>
         <p:nvSpPr>
-          <p:cNvPr id="4" name="Date Placeholder 3"/>
+          <p:cNvPr id="4" name="Date Placeholder 3">
+            <a:extLst>
+              <a:ext uri="{FF2B5EF4-FFF2-40B4-BE49-F238E27FC236}">
+                <a16:creationId xmlns:a16="http://schemas.microsoft.com/office/drawing/2014/main" id="{2635C89E-A870-4383-8233-061146DB2A0F}"/>
+              </a:ext>
+            </a:extLst>
+          </p:cNvPr>
           <p:cNvSpPr>
             <a:spLocks noGrp="1"/>
           </p:cNvSpPr>
@@ -1588,7 +1518,13 @@
       </p:sp>
       <p:sp>
         <p:nvSpPr>
-          <p:cNvPr id="5" name="Footer Placeholder 4"/>
+          <p:cNvPr id="5" name="Footer Placeholder 4">
+            <a:extLst>
+              <a:ext uri="{FF2B5EF4-FFF2-40B4-BE49-F238E27FC236}">
+                <a16:creationId xmlns:a16="http://schemas.microsoft.com/office/drawing/2014/main" id="{C5224EE9-F20D-42C4-A1D8-624DEB5E7EBE}"/>
+              </a:ext>
+            </a:extLst>
+          </p:cNvPr>
           <p:cNvSpPr>
             <a:spLocks noGrp="1"/>
           </p:cNvSpPr>
@@ -1607,7 +1543,13 @@
       </p:sp>
       <p:sp>
         <p:nvSpPr>
-          <p:cNvPr id="6" name="Slide Number Placeholder 5"/>
+          <p:cNvPr id="6" name="Slide Number Placeholder 5">
+            <a:extLst>
+              <a:ext uri="{FF2B5EF4-FFF2-40B4-BE49-F238E27FC236}">
+                <a16:creationId xmlns:a16="http://schemas.microsoft.com/office/drawing/2014/main" id="{F5125C34-800A-4420-AD75-DB546ECE5A8A}"/>
+              </a:ext>
+            </a:extLst>
+          </p:cNvPr>
           <p:cNvSpPr>
             <a:spLocks noGrp="1"/>
           </p:cNvSpPr>
@@ -1631,7 +1573,7 @@
     </p:spTree>
     <p:extLst>
       <p:ext uri="{BB962C8B-B14F-4D97-AF65-F5344CB8AC3E}">
-        <p14:creationId xmlns:p14="http://schemas.microsoft.com/office/powerpoint/2010/main" val="2597356551"/>
+        <p14:creationId xmlns:p14="http://schemas.microsoft.com/office/powerpoint/2010/main" val="3605277737"/>
       </p:ext>
     </p:extLst>
   </p:cSld>
@@ -1660,7 +1602,13 @@
       </p:grpSpPr>
       <p:sp>
         <p:nvSpPr>
-          <p:cNvPr id="2" name="Title 1"/>
+          <p:cNvPr id="2" name="Title 1">
+            <a:extLst>
+              <a:ext uri="{FF2B5EF4-FFF2-40B4-BE49-F238E27FC236}">
+                <a16:creationId xmlns:a16="http://schemas.microsoft.com/office/drawing/2014/main" id="{8FA67AE7-09A9-4B08-9AC7-ACF4AA27F4E8}"/>
+              </a:ext>
+            </a:extLst>
+          </p:cNvPr>
           <p:cNvSpPr>
             <a:spLocks noGrp="1"/>
           </p:cNvSpPr>
@@ -1677,13 +1625,18 @@
               <a:rPr lang="en-US"/>
               <a:t>Click to edit Master title style</a:t>
             </a:r>
-            <a:endParaRPr lang="en-US" dirty="0"/>
-          </a:p>
-        </p:txBody>
-      </p:sp>
-      <p:sp>
-        <p:nvSpPr>
-          <p:cNvPr id="3" name="Content Placeholder 2"/>
+          </a:p>
+        </p:txBody>
+      </p:sp>
+      <p:sp>
+        <p:nvSpPr>
+          <p:cNvPr id="3" name="Content Placeholder 2">
+            <a:extLst>
+              <a:ext uri="{FF2B5EF4-FFF2-40B4-BE49-F238E27FC236}">
+                <a16:creationId xmlns:a16="http://schemas.microsoft.com/office/drawing/2014/main" id="{30562C5E-AF75-4123-AB7E-D8D16EF489FB}"/>
+              </a:ext>
+            </a:extLst>
+          </p:cNvPr>
           <p:cNvSpPr>
             <a:spLocks noGrp="1"/>
           </p:cNvSpPr>
@@ -1693,8 +1646,8 @@
         </p:nvSpPr>
         <p:spPr>
           <a:xfrm>
-            <a:off x="681038" y="1825625"/>
-            <a:ext cx="4210050" cy="4351338"/>
+            <a:off x="838200" y="1825625"/>
+            <a:ext cx="5181600" cy="4351338"/>
           </a:xfrm>
         </p:spPr>
         <p:txBody>
@@ -1734,13 +1687,18 @@
               <a:rPr lang="en-US"/>
               <a:t>Fifth level</a:t>
             </a:r>
-            <a:endParaRPr lang="en-US" dirty="0"/>
-          </a:p>
-        </p:txBody>
-      </p:sp>
-      <p:sp>
-        <p:nvSpPr>
-          <p:cNvPr id="4" name="Content Placeholder 3"/>
+          </a:p>
+        </p:txBody>
+      </p:sp>
+      <p:sp>
+        <p:nvSpPr>
+          <p:cNvPr id="4" name="Content Placeholder 3">
+            <a:extLst>
+              <a:ext uri="{FF2B5EF4-FFF2-40B4-BE49-F238E27FC236}">
+                <a16:creationId xmlns:a16="http://schemas.microsoft.com/office/drawing/2014/main" id="{40B188F2-6F1C-49CD-A317-9B0AC4817E25}"/>
+              </a:ext>
+            </a:extLst>
+          </p:cNvPr>
           <p:cNvSpPr>
             <a:spLocks noGrp="1"/>
           </p:cNvSpPr>
@@ -1750,8 +1708,8 @@
         </p:nvSpPr>
         <p:spPr>
           <a:xfrm>
-            <a:off x="5014913" y="1825625"/>
-            <a:ext cx="4210050" cy="4351338"/>
+            <a:off x="6172200" y="1825625"/>
+            <a:ext cx="5181600" cy="4351338"/>
           </a:xfrm>
         </p:spPr>
         <p:txBody>
@@ -1791,13 +1749,18 @@
               <a:rPr lang="en-US"/>
               <a:t>Fifth level</a:t>
             </a:r>
-            <a:endParaRPr lang="en-US" dirty="0"/>
-          </a:p>
-        </p:txBody>
-      </p:sp>
-      <p:sp>
-        <p:nvSpPr>
-          <p:cNvPr id="5" name="Date Placeholder 4"/>
+          </a:p>
+        </p:txBody>
+      </p:sp>
+      <p:sp>
+        <p:nvSpPr>
+          <p:cNvPr id="5" name="Date Placeholder 4">
+            <a:extLst>
+              <a:ext uri="{FF2B5EF4-FFF2-40B4-BE49-F238E27FC236}">
+                <a16:creationId xmlns:a16="http://schemas.microsoft.com/office/drawing/2014/main" id="{6CED3390-50E3-4391-8759-C89FECB8C85C}"/>
+              </a:ext>
+            </a:extLst>
+          </p:cNvPr>
           <p:cNvSpPr>
             <a:spLocks noGrp="1"/>
           </p:cNvSpPr>
@@ -1820,7 +1783,13 @@
       </p:sp>
       <p:sp>
         <p:nvSpPr>
-          <p:cNvPr id="6" name="Footer Placeholder 5"/>
+          <p:cNvPr id="6" name="Footer Placeholder 5">
+            <a:extLst>
+              <a:ext uri="{FF2B5EF4-FFF2-40B4-BE49-F238E27FC236}">
+                <a16:creationId xmlns:a16="http://schemas.microsoft.com/office/drawing/2014/main" id="{10FA13AA-8817-4FFB-BC89-E1A0004E47A9}"/>
+              </a:ext>
+            </a:extLst>
+          </p:cNvPr>
           <p:cNvSpPr>
             <a:spLocks noGrp="1"/>
           </p:cNvSpPr>
@@ -1839,7 +1808,13 @@
       </p:sp>
       <p:sp>
         <p:nvSpPr>
-          <p:cNvPr id="7" name="Slide Number Placeholder 6"/>
+          <p:cNvPr id="7" name="Slide Number Placeholder 6">
+            <a:extLst>
+              <a:ext uri="{FF2B5EF4-FFF2-40B4-BE49-F238E27FC236}">
+                <a16:creationId xmlns:a16="http://schemas.microsoft.com/office/drawing/2014/main" id="{88CC5D21-FEFB-41EB-A3D7-361B887340A7}"/>
+              </a:ext>
+            </a:extLst>
+          </p:cNvPr>
           <p:cNvSpPr>
             <a:spLocks noGrp="1"/>
           </p:cNvSpPr>
@@ -1863,7 +1838,7 @@
     </p:spTree>
     <p:extLst>
       <p:ext uri="{BB962C8B-B14F-4D97-AF65-F5344CB8AC3E}">
-        <p14:creationId xmlns:p14="http://schemas.microsoft.com/office/powerpoint/2010/main" val="3994084989"/>
+        <p14:creationId xmlns:p14="http://schemas.microsoft.com/office/powerpoint/2010/main" val="858645076"/>
       </p:ext>
     </p:extLst>
   </p:cSld>
@@ -1892,7 +1867,13 @@
       </p:grpSpPr>
       <p:sp>
         <p:nvSpPr>
-          <p:cNvPr id="2" name="Title 1"/>
+          <p:cNvPr id="2" name="Title 1">
+            <a:extLst>
+              <a:ext uri="{FF2B5EF4-FFF2-40B4-BE49-F238E27FC236}">
+                <a16:creationId xmlns:a16="http://schemas.microsoft.com/office/drawing/2014/main" id="{687D711A-945D-4DD5-B90A-53242D05FC3D}"/>
+              </a:ext>
+            </a:extLst>
+          </p:cNvPr>
           <p:cNvSpPr>
             <a:spLocks noGrp="1"/>
           </p:cNvSpPr>
@@ -1902,8 +1883,8 @@
         </p:nvSpPr>
         <p:spPr>
           <a:xfrm>
-            <a:off x="682328" y="365127"/>
-            <a:ext cx="8543925" cy="1325563"/>
+            <a:off x="839788" y="365125"/>
+            <a:ext cx="10515600" cy="1325563"/>
           </a:xfrm>
         </p:spPr>
         <p:txBody>
@@ -1914,13 +1895,18 @@
               <a:rPr lang="en-US"/>
               <a:t>Click to edit Master title style</a:t>
             </a:r>
-            <a:endParaRPr lang="en-US" dirty="0"/>
-          </a:p>
-        </p:txBody>
-      </p:sp>
-      <p:sp>
-        <p:nvSpPr>
-          <p:cNvPr id="3" name="Text Placeholder 2"/>
+          </a:p>
+        </p:txBody>
+      </p:sp>
+      <p:sp>
+        <p:nvSpPr>
+          <p:cNvPr id="3" name="Text Placeholder 2">
+            <a:extLst>
+              <a:ext uri="{FF2B5EF4-FFF2-40B4-BE49-F238E27FC236}">
+                <a16:creationId xmlns:a16="http://schemas.microsoft.com/office/drawing/2014/main" id="{1CEA02F9-BF55-4844-9961-1096865B2D4E}"/>
+              </a:ext>
+            </a:extLst>
+          </p:cNvPr>
           <p:cNvSpPr>
             <a:spLocks noGrp="1"/>
           </p:cNvSpPr>
@@ -1930,8 +1916,8 @@
         </p:nvSpPr>
         <p:spPr>
           <a:xfrm>
-            <a:off x="682329" y="1681163"/>
-            <a:ext cx="4190702" cy="823912"/>
+            <a:off x="839788" y="1681163"/>
+            <a:ext cx="5157787" cy="823912"/>
           </a:xfrm>
         </p:spPr>
         <p:txBody>
@@ -1985,7 +1971,13 @@
       </p:sp>
       <p:sp>
         <p:nvSpPr>
-          <p:cNvPr id="4" name="Content Placeholder 3"/>
+          <p:cNvPr id="4" name="Content Placeholder 3">
+            <a:extLst>
+              <a:ext uri="{FF2B5EF4-FFF2-40B4-BE49-F238E27FC236}">
+                <a16:creationId xmlns:a16="http://schemas.microsoft.com/office/drawing/2014/main" id="{2E7D20DD-C8FA-42FD-80FC-F93A32C6F194}"/>
+              </a:ext>
+            </a:extLst>
+          </p:cNvPr>
           <p:cNvSpPr>
             <a:spLocks noGrp="1"/>
           </p:cNvSpPr>
@@ -1995,8 +1987,8 @@
         </p:nvSpPr>
         <p:spPr>
           <a:xfrm>
-            <a:off x="682329" y="2505075"/>
-            <a:ext cx="4190702" cy="3684588"/>
+            <a:off x="839788" y="2505075"/>
+            <a:ext cx="5157787" cy="3684588"/>
           </a:xfrm>
         </p:spPr>
         <p:txBody>
@@ -2036,13 +2028,18 @@
               <a:rPr lang="en-US"/>
               <a:t>Fifth level</a:t>
             </a:r>
-            <a:endParaRPr lang="en-US" dirty="0"/>
-          </a:p>
-        </p:txBody>
-      </p:sp>
-      <p:sp>
-        <p:nvSpPr>
-          <p:cNvPr id="5" name="Text Placeholder 4"/>
+          </a:p>
+        </p:txBody>
+      </p:sp>
+      <p:sp>
+        <p:nvSpPr>
+          <p:cNvPr id="5" name="Text Placeholder 4">
+            <a:extLst>
+              <a:ext uri="{FF2B5EF4-FFF2-40B4-BE49-F238E27FC236}">
+                <a16:creationId xmlns:a16="http://schemas.microsoft.com/office/drawing/2014/main" id="{B9B6A021-6C20-491F-A7D3-965A0B7E3074}"/>
+              </a:ext>
+            </a:extLst>
+          </p:cNvPr>
           <p:cNvSpPr>
             <a:spLocks noGrp="1"/>
           </p:cNvSpPr>
@@ -2052,8 +2049,8 @@
         </p:nvSpPr>
         <p:spPr>
           <a:xfrm>
-            <a:off x="5014913" y="1681163"/>
-            <a:ext cx="4211340" cy="823912"/>
+            <a:off x="6172200" y="1681163"/>
+            <a:ext cx="5183188" cy="823912"/>
           </a:xfrm>
         </p:spPr>
         <p:txBody>
@@ -2107,7 +2104,13 @@
       </p:sp>
       <p:sp>
         <p:nvSpPr>
-          <p:cNvPr id="6" name="Content Placeholder 5"/>
+          <p:cNvPr id="6" name="Content Placeholder 5">
+            <a:extLst>
+              <a:ext uri="{FF2B5EF4-FFF2-40B4-BE49-F238E27FC236}">
+                <a16:creationId xmlns:a16="http://schemas.microsoft.com/office/drawing/2014/main" id="{E9639124-53B6-44CE-A0AF-68AEC621D3BA}"/>
+              </a:ext>
+            </a:extLst>
+          </p:cNvPr>
           <p:cNvSpPr>
             <a:spLocks noGrp="1"/>
           </p:cNvSpPr>
@@ -2117,8 +2120,8 @@
         </p:nvSpPr>
         <p:spPr>
           <a:xfrm>
-            <a:off x="5014913" y="2505075"/>
-            <a:ext cx="4211340" cy="3684588"/>
+            <a:off x="6172200" y="2505075"/>
+            <a:ext cx="5183188" cy="3684588"/>
           </a:xfrm>
         </p:spPr>
         <p:txBody>
@@ -2158,13 +2161,18 @@
               <a:rPr lang="en-US"/>
               <a:t>Fifth level</a:t>
             </a:r>
-            <a:endParaRPr lang="en-US" dirty="0"/>
-          </a:p>
-        </p:txBody>
-      </p:sp>
-      <p:sp>
-        <p:nvSpPr>
-          <p:cNvPr id="7" name="Date Placeholder 6"/>
+          </a:p>
+        </p:txBody>
+      </p:sp>
+      <p:sp>
+        <p:nvSpPr>
+          <p:cNvPr id="7" name="Date Placeholder 6">
+            <a:extLst>
+              <a:ext uri="{FF2B5EF4-FFF2-40B4-BE49-F238E27FC236}">
+                <a16:creationId xmlns:a16="http://schemas.microsoft.com/office/drawing/2014/main" id="{791490FA-2941-4F0E-8033-93D5697F51D0}"/>
+              </a:ext>
+            </a:extLst>
+          </p:cNvPr>
           <p:cNvSpPr>
             <a:spLocks noGrp="1"/>
           </p:cNvSpPr>
@@ -2187,7 +2195,13 @@
       </p:sp>
       <p:sp>
         <p:nvSpPr>
-          <p:cNvPr id="8" name="Footer Placeholder 7"/>
+          <p:cNvPr id="8" name="Footer Placeholder 7">
+            <a:extLst>
+              <a:ext uri="{FF2B5EF4-FFF2-40B4-BE49-F238E27FC236}">
+                <a16:creationId xmlns:a16="http://schemas.microsoft.com/office/drawing/2014/main" id="{32D7C6F1-9B81-4FCD-9AA9-0BF41E93F9D5}"/>
+              </a:ext>
+            </a:extLst>
+          </p:cNvPr>
           <p:cNvSpPr>
             <a:spLocks noGrp="1"/>
           </p:cNvSpPr>
@@ -2206,7 +2220,13 @@
       </p:sp>
       <p:sp>
         <p:nvSpPr>
-          <p:cNvPr id="9" name="Slide Number Placeholder 8"/>
+          <p:cNvPr id="9" name="Slide Number Placeholder 8">
+            <a:extLst>
+              <a:ext uri="{FF2B5EF4-FFF2-40B4-BE49-F238E27FC236}">
+                <a16:creationId xmlns:a16="http://schemas.microsoft.com/office/drawing/2014/main" id="{58C64C77-FB6D-41D5-9BFB-9384873ABA11}"/>
+              </a:ext>
+            </a:extLst>
+          </p:cNvPr>
           <p:cNvSpPr>
             <a:spLocks noGrp="1"/>
           </p:cNvSpPr>
@@ -2230,7 +2250,7 @@
     </p:spTree>
     <p:extLst>
       <p:ext uri="{BB962C8B-B14F-4D97-AF65-F5344CB8AC3E}">
-        <p14:creationId xmlns:p14="http://schemas.microsoft.com/office/powerpoint/2010/main" val="1132776142"/>
+        <p14:creationId xmlns:p14="http://schemas.microsoft.com/office/powerpoint/2010/main" val="3185000599"/>
       </p:ext>
     </p:extLst>
   </p:cSld>
@@ -2259,7 +2279,13 @@
       </p:grpSpPr>
       <p:sp>
         <p:nvSpPr>
-          <p:cNvPr id="2" name="Title 1"/>
+          <p:cNvPr id="2" name="Title 1">
+            <a:extLst>
+              <a:ext uri="{FF2B5EF4-FFF2-40B4-BE49-F238E27FC236}">
+                <a16:creationId xmlns:a16="http://schemas.microsoft.com/office/drawing/2014/main" id="{9E7B851A-B137-41AD-8657-1545DAAE654E}"/>
+              </a:ext>
+            </a:extLst>
+          </p:cNvPr>
           <p:cNvSpPr>
             <a:spLocks noGrp="1"/>
           </p:cNvSpPr>
@@ -2276,13 +2302,18 @@
               <a:rPr lang="en-US"/>
               <a:t>Click to edit Master title style</a:t>
             </a:r>
-            <a:endParaRPr lang="en-US" dirty="0"/>
-          </a:p>
-        </p:txBody>
-      </p:sp>
-      <p:sp>
-        <p:nvSpPr>
-          <p:cNvPr id="3" name="Date Placeholder 2"/>
+          </a:p>
+        </p:txBody>
+      </p:sp>
+      <p:sp>
+        <p:nvSpPr>
+          <p:cNvPr id="3" name="Date Placeholder 2">
+            <a:extLst>
+              <a:ext uri="{FF2B5EF4-FFF2-40B4-BE49-F238E27FC236}">
+                <a16:creationId xmlns:a16="http://schemas.microsoft.com/office/drawing/2014/main" id="{22D125F9-928D-4C93-896F-D8163329E540}"/>
+              </a:ext>
+            </a:extLst>
+          </p:cNvPr>
           <p:cNvSpPr>
             <a:spLocks noGrp="1"/>
           </p:cNvSpPr>
@@ -2305,7 +2336,13 @@
       </p:sp>
       <p:sp>
         <p:nvSpPr>
-          <p:cNvPr id="4" name="Footer Placeholder 3"/>
+          <p:cNvPr id="4" name="Footer Placeholder 3">
+            <a:extLst>
+              <a:ext uri="{FF2B5EF4-FFF2-40B4-BE49-F238E27FC236}">
+                <a16:creationId xmlns:a16="http://schemas.microsoft.com/office/drawing/2014/main" id="{3FEE35EF-329F-49D1-82FC-650B9860F5CD}"/>
+              </a:ext>
+            </a:extLst>
+          </p:cNvPr>
           <p:cNvSpPr>
             <a:spLocks noGrp="1"/>
           </p:cNvSpPr>
@@ -2324,7 +2361,13 @@
       </p:sp>
       <p:sp>
         <p:nvSpPr>
-          <p:cNvPr id="5" name="Slide Number Placeholder 4"/>
+          <p:cNvPr id="5" name="Slide Number Placeholder 4">
+            <a:extLst>
+              <a:ext uri="{FF2B5EF4-FFF2-40B4-BE49-F238E27FC236}">
+                <a16:creationId xmlns:a16="http://schemas.microsoft.com/office/drawing/2014/main" id="{22ECF1CA-F148-42E8-B418-261801BF625B}"/>
+              </a:ext>
+            </a:extLst>
+          </p:cNvPr>
           <p:cNvSpPr>
             <a:spLocks noGrp="1"/>
           </p:cNvSpPr>
@@ -2348,7 +2391,7 @@
     </p:spTree>
     <p:extLst>
       <p:ext uri="{BB962C8B-B14F-4D97-AF65-F5344CB8AC3E}">
-        <p14:creationId xmlns:p14="http://schemas.microsoft.com/office/powerpoint/2010/main" val="2041129549"/>
+        <p14:creationId xmlns:p14="http://schemas.microsoft.com/office/powerpoint/2010/main" val="517648023"/>
       </p:ext>
     </p:extLst>
   </p:cSld>
@@ -2377,7 +2420,13 @@
       </p:grpSpPr>
       <p:sp>
         <p:nvSpPr>
-          <p:cNvPr id="2" name="Date Placeholder 1"/>
+          <p:cNvPr id="2" name="Date Placeholder 1">
+            <a:extLst>
+              <a:ext uri="{FF2B5EF4-FFF2-40B4-BE49-F238E27FC236}">
+                <a16:creationId xmlns:a16="http://schemas.microsoft.com/office/drawing/2014/main" id="{07C75050-0B5B-47B9-9A26-A120F7847875}"/>
+              </a:ext>
+            </a:extLst>
+          </p:cNvPr>
           <p:cNvSpPr>
             <a:spLocks noGrp="1"/>
           </p:cNvSpPr>
@@ -2400,7 +2449,13 @@
       </p:sp>
       <p:sp>
         <p:nvSpPr>
-          <p:cNvPr id="3" name="Footer Placeholder 2"/>
+          <p:cNvPr id="3" name="Footer Placeholder 2">
+            <a:extLst>
+              <a:ext uri="{FF2B5EF4-FFF2-40B4-BE49-F238E27FC236}">
+                <a16:creationId xmlns:a16="http://schemas.microsoft.com/office/drawing/2014/main" id="{421C643C-9501-419B-AFBA-71AC1ECA33BE}"/>
+              </a:ext>
+            </a:extLst>
+          </p:cNvPr>
           <p:cNvSpPr>
             <a:spLocks noGrp="1"/>
           </p:cNvSpPr>
@@ -2419,7 +2474,13 @@
       </p:sp>
       <p:sp>
         <p:nvSpPr>
-          <p:cNvPr id="4" name="Slide Number Placeholder 3"/>
+          <p:cNvPr id="4" name="Slide Number Placeholder 3">
+            <a:extLst>
+              <a:ext uri="{FF2B5EF4-FFF2-40B4-BE49-F238E27FC236}">
+                <a16:creationId xmlns:a16="http://schemas.microsoft.com/office/drawing/2014/main" id="{8C0C4A58-AC5D-42DD-8E10-DD87884315A8}"/>
+              </a:ext>
+            </a:extLst>
+          </p:cNvPr>
           <p:cNvSpPr>
             <a:spLocks noGrp="1"/>
           </p:cNvSpPr>
@@ -2443,7 +2504,7 @@
     </p:spTree>
     <p:extLst>
       <p:ext uri="{BB962C8B-B14F-4D97-AF65-F5344CB8AC3E}">
-        <p14:creationId xmlns:p14="http://schemas.microsoft.com/office/powerpoint/2010/main" val="3512238338"/>
+        <p14:creationId xmlns:p14="http://schemas.microsoft.com/office/powerpoint/2010/main" val="920985578"/>
       </p:ext>
     </p:extLst>
   </p:cSld>
@@ -2472,7 +2533,13 @@
       </p:grpSpPr>
       <p:sp>
         <p:nvSpPr>
-          <p:cNvPr id="2" name="Title 1"/>
+          <p:cNvPr id="2" name="Title 1">
+            <a:extLst>
+              <a:ext uri="{FF2B5EF4-FFF2-40B4-BE49-F238E27FC236}">
+                <a16:creationId xmlns:a16="http://schemas.microsoft.com/office/drawing/2014/main" id="{D25F1DBC-1D4A-4D72-8F6C-5C6EF8DB5EE1}"/>
+              </a:ext>
+            </a:extLst>
+          </p:cNvPr>
           <p:cNvSpPr>
             <a:spLocks noGrp="1"/>
           </p:cNvSpPr>
@@ -2482,8 +2549,8 @@
         </p:nvSpPr>
         <p:spPr>
           <a:xfrm>
-            <a:off x="682328" y="457200"/>
-            <a:ext cx="3194943" cy="1600200"/>
+            <a:off x="839788" y="457200"/>
+            <a:ext cx="3932237" cy="1600200"/>
           </a:xfrm>
         </p:spPr>
         <p:txBody>
@@ -2498,13 +2565,18 @@
               <a:rPr lang="en-US"/>
               <a:t>Click to edit Master title style</a:t>
             </a:r>
-            <a:endParaRPr lang="en-US" dirty="0"/>
-          </a:p>
-        </p:txBody>
-      </p:sp>
-      <p:sp>
-        <p:nvSpPr>
-          <p:cNvPr id="3" name="Content Placeholder 2"/>
+          </a:p>
+        </p:txBody>
+      </p:sp>
+      <p:sp>
+        <p:nvSpPr>
+          <p:cNvPr id="3" name="Content Placeholder 2">
+            <a:extLst>
+              <a:ext uri="{FF2B5EF4-FFF2-40B4-BE49-F238E27FC236}">
+                <a16:creationId xmlns:a16="http://schemas.microsoft.com/office/drawing/2014/main" id="{3D8FDCCC-F364-45D8-892F-039B1BAADA65}"/>
+              </a:ext>
+            </a:extLst>
+          </p:cNvPr>
           <p:cNvSpPr>
             <a:spLocks noGrp="1"/>
           </p:cNvSpPr>
@@ -2514,8 +2586,8 @@
         </p:nvSpPr>
         <p:spPr>
           <a:xfrm>
-            <a:off x="4211340" y="987427"/>
-            <a:ext cx="5014913" cy="4873625"/>
+            <a:off x="5183188" y="987425"/>
+            <a:ext cx="6172200" cy="4873625"/>
           </a:xfrm>
         </p:spPr>
         <p:txBody>
@@ -2583,13 +2655,18 @@
               <a:rPr lang="en-US"/>
               <a:t>Fifth level</a:t>
             </a:r>
-            <a:endParaRPr lang="en-US" dirty="0"/>
-          </a:p>
-        </p:txBody>
-      </p:sp>
-      <p:sp>
-        <p:nvSpPr>
-          <p:cNvPr id="4" name="Text Placeholder 3"/>
+          </a:p>
+        </p:txBody>
+      </p:sp>
+      <p:sp>
+        <p:nvSpPr>
+          <p:cNvPr id="4" name="Text Placeholder 3">
+            <a:extLst>
+              <a:ext uri="{FF2B5EF4-FFF2-40B4-BE49-F238E27FC236}">
+                <a16:creationId xmlns:a16="http://schemas.microsoft.com/office/drawing/2014/main" id="{0BB42220-A9AA-4031-91F0-2DCA2BA6CBC9}"/>
+              </a:ext>
+            </a:extLst>
+          </p:cNvPr>
           <p:cNvSpPr>
             <a:spLocks noGrp="1"/>
           </p:cNvSpPr>
@@ -2599,8 +2676,8 @@
         </p:nvSpPr>
         <p:spPr>
           <a:xfrm>
-            <a:off x="682328" y="2057400"/>
-            <a:ext cx="3194943" cy="3811588"/>
+            <a:off x="839788" y="2057400"/>
+            <a:ext cx="3932237" cy="3811588"/>
           </a:xfrm>
         </p:spPr>
         <p:txBody>
@@ -2654,7 +2731,13 @@
       </p:sp>
       <p:sp>
         <p:nvSpPr>
-          <p:cNvPr id="5" name="Date Placeholder 4"/>
+          <p:cNvPr id="5" name="Date Placeholder 4">
+            <a:extLst>
+              <a:ext uri="{FF2B5EF4-FFF2-40B4-BE49-F238E27FC236}">
+                <a16:creationId xmlns:a16="http://schemas.microsoft.com/office/drawing/2014/main" id="{71F7CE5D-84FB-415B-A6D7-FE32765A5AAB}"/>
+              </a:ext>
+            </a:extLst>
+          </p:cNvPr>
           <p:cNvSpPr>
             <a:spLocks noGrp="1"/>
           </p:cNvSpPr>
@@ -2677,7 +2760,13 @@
       </p:sp>
       <p:sp>
         <p:nvSpPr>
-          <p:cNvPr id="6" name="Footer Placeholder 5"/>
+          <p:cNvPr id="6" name="Footer Placeholder 5">
+            <a:extLst>
+              <a:ext uri="{FF2B5EF4-FFF2-40B4-BE49-F238E27FC236}">
+                <a16:creationId xmlns:a16="http://schemas.microsoft.com/office/drawing/2014/main" id="{088CF854-78A4-401E-9241-CD8C2CAF1BE0}"/>
+              </a:ext>
+            </a:extLst>
+          </p:cNvPr>
           <p:cNvSpPr>
             <a:spLocks noGrp="1"/>
           </p:cNvSpPr>
@@ -2696,7 +2785,13 @@
       </p:sp>
       <p:sp>
         <p:nvSpPr>
-          <p:cNvPr id="7" name="Slide Number Placeholder 6"/>
+          <p:cNvPr id="7" name="Slide Number Placeholder 6">
+            <a:extLst>
+              <a:ext uri="{FF2B5EF4-FFF2-40B4-BE49-F238E27FC236}">
+                <a16:creationId xmlns:a16="http://schemas.microsoft.com/office/drawing/2014/main" id="{6B58E8A2-8CAE-47DA-B247-75E61F505BF4}"/>
+              </a:ext>
+            </a:extLst>
+          </p:cNvPr>
           <p:cNvSpPr>
             <a:spLocks noGrp="1"/>
           </p:cNvSpPr>
@@ -2720,7 +2815,7 @@
     </p:spTree>
     <p:extLst>
       <p:ext uri="{BB962C8B-B14F-4D97-AF65-F5344CB8AC3E}">
-        <p14:creationId xmlns:p14="http://schemas.microsoft.com/office/powerpoint/2010/main" val="3358370881"/>
+        <p14:creationId xmlns:p14="http://schemas.microsoft.com/office/powerpoint/2010/main" val="1830423891"/>
       </p:ext>
     </p:extLst>
   </p:cSld>
@@ -2749,7 +2844,13 @@
       </p:grpSpPr>
       <p:sp>
         <p:nvSpPr>
-          <p:cNvPr id="2" name="Title 1"/>
+          <p:cNvPr id="2" name="Title 1">
+            <a:extLst>
+              <a:ext uri="{FF2B5EF4-FFF2-40B4-BE49-F238E27FC236}">
+                <a16:creationId xmlns:a16="http://schemas.microsoft.com/office/drawing/2014/main" id="{9C225764-A8C5-4491-93DD-3EEEE35BBA73}"/>
+              </a:ext>
+            </a:extLst>
+          </p:cNvPr>
           <p:cNvSpPr>
             <a:spLocks noGrp="1"/>
           </p:cNvSpPr>
@@ -2759,8 +2860,8 @@
         </p:nvSpPr>
         <p:spPr>
           <a:xfrm>
-            <a:off x="682328" y="457200"/>
-            <a:ext cx="3194943" cy="1600200"/>
+            <a:off x="839788" y="457200"/>
+            <a:ext cx="3932237" cy="1600200"/>
           </a:xfrm>
         </p:spPr>
         <p:txBody>
@@ -2775,15 +2876,20 @@
               <a:rPr lang="en-US"/>
               <a:t>Click to edit Master title style</a:t>
             </a:r>
-            <a:endParaRPr lang="en-US" dirty="0"/>
-          </a:p>
-        </p:txBody>
-      </p:sp>
-      <p:sp>
-        <p:nvSpPr>
-          <p:cNvPr id="3" name="Picture Placeholder 2"/>
-          <p:cNvSpPr>
-            <a:spLocks noGrp="1" noChangeAspect="1"/>
+          </a:p>
+        </p:txBody>
+      </p:sp>
+      <p:sp>
+        <p:nvSpPr>
+          <p:cNvPr id="3" name="Picture Placeholder 2">
+            <a:extLst>
+              <a:ext uri="{FF2B5EF4-FFF2-40B4-BE49-F238E27FC236}">
+                <a16:creationId xmlns:a16="http://schemas.microsoft.com/office/drawing/2014/main" id="{D2A8EEC4-95F0-4CD6-AEB6-3477D7DF8EC7}"/>
+              </a:ext>
+            </a:extLst>
+          </p:cNvPr>
+          <p:cNvSpPr>
+            <a:spLocks noGrp="1"/>
           </p:cNvSpPr>
           <p:nvPr>
             <p:ph type="pic" idx="1"/>
@@ -2791,12 +2897,12 @@
         </p:nvSpPr>
         <p:spPr>
           <a:xfrm>
-            <a:off x="4211340" y="987427"/>
-            <a:ext cx="5014913" cy="4873625"/>
+            <a:off x="5183188" y="987425"/>
+            <a:ext cx="6172200" cy="4873625"/>
           </a:xfrm>
         </p:spPr>
         <p:txBody>
-          <a:bodyPr anchor="t"/>
+          <a:bodyPr/>
           <a:lstStyle>
             <a:lvl1pPr marL="0" indent="0">
               <a:buNone/>
@@ -2836,17 +2942,19 @@
             </a:lvl9pPr>
           </a:lstStyle>
           <a:p>
-            <a:r>
-              <a:rPr lang="en-US"/>
-              <a:t>Click icon to add picture</a:t>
-            </a:r>
-            <a:endParaRPr lang="en-US" dirty="0"/>
-          </a:p>
-        </p:txBody>
-      </p:sp>
-      <p:sp>
-        <p:nvSpPr>
-          <p:cNvPr id="4" name="Text Placeholder 3"/>
+            <a:endParaRPr lang="en-US"/>
+          </a:p>
+        </p:txBody>
+      </p:sp>
+      <p:sp>
+        <p:nvSpPr>
+          <p:cNvPr id="4" name="Text Placeholder 3">
+            <a:extLst>
+              <a:ext uri="{FF2B5EF4-FFF2-40B4-BE49-F238E27FC236}">
+                <a16:creationId xmlns:a16="http://schemas.microsoft.com/office/drawing/2014/main" id="{0E6E8905-EF91-4E50-A13C-222BC963393E}"/>
+              </a:ext>
+            </a:extLst>
+          </p:cNvPr>
           <p:cNvSpPr>
             <a:spLocks noGrp="1"/>
           </p:cNvSpPr>
@@ -2856,8 +2964,8 @@
         </p:nvSpPr>
         <p:spPr>
           <a:xfrm>
-            <a:off x="682328" y="2057400"/>
-            <a:ext cx="3194943" cy="3811588"/>
+            <a:off x="839788" y="2057400"/>
+            <a:ext cx="3932237" cy="3811588"/>
           </a:xfrm>
         </p:spPr>
         <p:txBody>
@@ -2911,7 +3019,13 @@
       </p:sp>
       <p:sp>
         <p:nvSpPr>
-          <p:cNvPr id="5" name="Date Placeholder 4"/>
+          <p:cNvPr id="5" name="Date Placeholder 4">
+            <a:extLst>
+              <a:ext uri="{FF2B5EF4-FFF2-40B4-BE49-F238E27FC236}">
+                <a16:creationId xmlns:a16="http://schemas.microsoft.com/office/drawing/2014/main" id="{DD545264-1D73-487F-8D3E-0404D64CDA1E}"/>
+              </a:ext>
+            </a:extLst>
+          </p:cNvPr>
           <p:cNvSpPr>
             <a:spLocks noGrp="1"/>
           </p:cNvSpPr>
@@ -2934,7 +3048,13 @@
       </p:sp>
       <p:sp>
         <p:nvSpPr>
-          <p:cNvPr id="6" name="Footer Placeholder 5"/>
+          <p:cNvPr id="6" name="Footer Placeholder 5">
+            <a:extLst>
+              <a:ext uri="{FF2B5EF4-FFF2-40B4-BE49-F238E27FC236}">
+                <a16:creationId xmlns:a16="http://schemas.microsoft.com/office/drawing/2014/main" id="{08793A70-EF9B-4652-B28B-1B64EB476F0A}"/>
+              </a:ext>
+            </a:extLst>
+          </p:cNvPr>
           <p:cNvSpPr>
             <a:spLocks noGrp="1"/>
           </p:cNvSpPr>
@@ -2953,7 +3073,13 @@
       </p:sp>
       <p:sp>
         <p:nvSpPr>
-          <p:cNvPr id="7" name="Slide Number Placeholder 6"/>
+          <p:cNvPr id="7" name="Slide Number Placeholder 6">
+            <a:extLst>
+              <a:ext uri="{FF2B5EF4-FFF2-40B4-BE49-F238E27FC236}">
+                <a16:creationId xmlns:a16="http://schemas.microsoft.com/office/drawing/2014/main" id="{5DC3ABE1-02E6-4BA0-AB26-9394149411C5}"/>
+              </a:ext>
+            </a:extLst>
+          </p:cNvPr>
           <p:cNvSpPr>
             <a:spLocks noGrp="1"/>
           </p:cNvSpPr>
@@ -2977,7 +3103,7 @@
     </p:spTree>
     <p:extLst>
       <p:ext uri="{BB962C8B-B14F-4D97-AF65-F5344CB8AC3E}">
-        <p14:creationId xmlns:p14="http://schemas.microsoft.com/office/powerpoint/2010/main" val="283739394"/>
+        <p14:creationId xmlns:p14="http://schemas.microsoft.com/office/powerpoint/2010/main" val="1576962411"/>
       </p:ext>
     </p:extLst>
   </p:cSld>
@@ -3011,7 +3137,13 @@
       </p:grpSpPr>
       <p:sp>
         <p:nvSpPr>
-          <p:cNvPr id="2" name="Title Placeholder 1"/>
+          <p:cNvPr id="2" name="Title Placeholder 1">
+            <a:extLst>
+              <a:ext uri="{FF2B5EF4-FFF2-40B4-BE49-F238E27FC236}">
+                <a16:creationId xmlns:a16="http://schemas.microsoft.com/office/drawing/2014/main" id="{8F825280-960C-4D44-8A31-03DEC5B2B42B}"/>
+              </a:ext>
+            </a:extLst>
+          </p:cNvPr>
           <p:cNvSpPr>
             <a:spLocks noGrp="1"/>
           </p:cNvSpPr>
@@ -3021,8 +3153,8 @@
         </p:nvSpPr>
         <p:spPr>
           <a:xfrm>
-            <a:off x="681038" y="365127"/>
-            <a:ext cx="8543925" cy="1325563"/>
+            <a:off x="838200" y="365125"/>
+            <a:ext cx="10515600" cy="1325563"/>
           </a:xfrm>
           <a:prstGeom prst="rect">
             <a:avLst/>
@@ -3043,7 +3175,13 @@
       </p:sp>
       <p:sp>
         <p:nvSpPr>
-          <p:cNvPr id="3" name="Text Placeholder 2"/>
+          <p:cNvPr id="3" name="Text Placeholder 2">
+            <a:extLst>
+              <a:ext uri="{FF2B5EF4-FFF2-40B4-BE49-F238E27FC236}">
+                <a16:creationId xmlns:a16="http://schemas.microsoft.com/office/drawing/2014/main" id="{95385375-3E6C-4F91-B1D7-DAED8B96B3A7}"/>
+              </a:ext>
+            </a:extLst>
+          </p:cNvPr>
           <p:cNvSpPr>
             <a:spLocks noGrp="1"/>
           </p:cNvSpPr>
@@ -3053,8 +3191,8 @@
         </p:nvSpPr>
         <p:spPr>
           <a:xfrm>
-            <a:off x="681038" y="1825625"/>
-            <a:ext cx="8543925" cy="4351338"/>
+            <a:off x="838200" y="1825625"/>
+            <a:ext cx="10515600" cy="4351338"/>
           </a:xfrm>
           <a:prstGeom prst="rect">
             <a:avLst/>
@@ -3099,13 +3237,18 @@
               <a:rPr lang="en-US"/>
               <a:t>Fifth level</a:t>
             </a:r>
-            <a:endParaRPr lang="en-US" dirty="0"/>
-          </a:p>
-        </p:txBody>
-      </p:sp>
-      <p:sp>
-        <p:nvSpPr>
-          <p:cNvPr id="4" name="Date Placeholder 3"/>
+          </a:p>
+        </p:txBody>
+      </p:sp>
+      <p:sp>
+        <p:nvSpPr>
+          <p:cNvPr id="4" name="Date Placeholder 3">
+            <a:extLst>
+              <a:ext uri="{FF2B5EF4-FFF2-40B4-BE49-F238E27FC236}">
+                <a16:creationId xmlns:a16="http://schemas.microsoft.com/office/drawing/2014/main" id="{5E32D823-8433-4143-B3D3-64DC9DA26290}"/>
+              </a:ext>
+            </a:extLst>
+          </p:cNvPr>
           <p:cNvSpPr>
             <a:spLocks noGrp="1"/>
           </p:cNvSpPr>
@@ -3115,8 +3258,8 @@
         </p:nvSpPr>
         <p:spPr>
           <a:xfrm>
-            <a:off x="681038" y="6356352"/>
-            <a:ext cx="2228850" cy="365125"/>
+            <a:off x="838200" y="6356350"/>
+            <a:ext cx="2743200" cy="365125"/>
           </a:xfrm>
           <a:prstGeom prst="rect">
             <a:avLst/>
@@ -3146,7 +3289,13 @@
       </p:sp>
       <p:sp>
         <p:nvSpPr>
-          <p:cNvPr id="5" name="Footer Placeholder 4"/>
+          <p:cNvPr id="5" name="Footer Placeholder 4">
+            <a:extLst>
+              <a:ext uri="{FF2B5EF4-FFF2-40B4-BE49-F238E27FC236}">
+                <a16:creationId xmlns:a16="http://schemas.microsoft.com/office/drawing/2014/main" id="{550E3A69-32CC-41D0-9FDC-8971A0B27E7B}"/>
+              </a:ext>
+            </a:extLst>
+          </p:cNvPr>
           <p:cNvSpPr>
             <a:spLocks noGrp="1"/>
           </p:cNvSpPr>
@@ -3156,8 +3305,8 @@
         </p:nvSpPr>
         <p:spPr>
           <a:xfrm>
-            <a:off x="3281363" y="6356352"/>
-            <a:ext cx="3343275" cy="365125"/>
+            <a:off x="4038600" y="6356350"/>
+            <a:ext cx="4114800" cy="365125"/>
           </a:xfrm>
           <a:prstGeom prst="rect">
             <a:avLst/>
@@ -3183,7 +3332,13 @@
       </p:sp>
       <p:sp>
         <p:nvSpPr>
-          <p:cNvPr id="6" name="Slide Number Placeholder 5"/>
+          <p:cNvPr id="6" name="Slide Number Placeholder 5">
+            <a:extLst>
+              <a:ext uri="{FF2B5EF4-FFF2-40B4-BE49-F238E27FC236}">
+                <a16:creationId xmlns:a16="http://schemas.microsoft.com/office/drawing/2014/main" id="{29D65DAC-2595-499C-AFCD-D94E3E95694D}"/>
+              </a:ext>
+            </a:extLst>
+          </p:cNvPr>
           <p:cNvSpPr>
             <a:spLocks noGrp="1"/>
           </p:cNvSpPr>
@@ -3193,8 +3348,8 @@
         </p:nvSpPr>
         <p:spPr>
           <a:xfrm>
-            <a:off x="6996113" y="6356352"/>
-            <a:ext cx="2228850" cy="365125"/>
+            <a:off x="8610600" y="6356350"/>
+            <a:ext cx="2743200" cy="365125"/>
           </a:xfrm>
           <a:prstGeom prst="rect">
             <a:avLst/>
@@ -3227,7 +3382,7 @@
           <p:cNvPr id="7" name="Picture 6" descr="A close up of a sign&#10;&#10;Description automatically generated">
             <a:extLst>
               <a:ext uri="{FF2B5EF4-FFF2-40B4-BE49-F238E27FC236}">
-                <a16:creationId xmlns:a16="http://schemas.microsoft.com/office/drawing/2014/main" id="{7DEDE7C0-BD85-460A-A7DE-618AF32CDEAF}"/>
+                <a16:creationId xmlns:a16="http://schemas.microsoft.com/office/drawing/2014/main" id="{C8F349C0-CDBB-4923-97E3-E859240E5F4C}"/>
               </a:ext>
             </a:extLst>
           </p:cNvPr>
@@ -3244,8 +3399,8 @@
         </p:blipFill>
         <p:spPr>
           <a:xfrm>
-            <a:off x="9289741" y="6176963"/>
-            <a:ext cx="616259" cy="681037"/>
+            <a:off x="11433527" y="6176962"/>
+            <a:ext cx="758473" cy="681037"/>
           </a:xfrm>
           <a:prstGeom prst="rect">
             <a:avLst/>
@@ -3255,23 +3410,23 @@
     </p:spTree>
     <p:extLst>
       <p:ext uri="{BB962C8B-B14F-4D97-AF65-F5344CB8AC3E}">
-        <p14:creationId xmlns:p14="http://schemas.microsoft.com/office/powerpoint/2010/main" val="2957868525"/>
+        <p14:creationId xmlns:p14="http://schemas.microsoft.com/office/powerpoint/2010/main" val="1555971421"/>
       </p:ext>
     </p:extLst>
   </p:cSld>
   <p:clrMap bg1="lt1" tx1="dk1" bg2="lt2" tx2="dk2" accent1="accent1" accent2="accent2" accent3="accent3" accent4="accent4" accent5="accent5" accent6="accent6" hlink="hlink" folHlink="folHlink"/>
   <p:sldLayoutIdLst>
-    <p:sldLayoutId id="2147483739" r:id="rId1"/>
-    <p:sldLayoutId id="2147483740" r:id="rId2"/>
-    <p:sldLayoutId id="2147483741" r:id="rId3"/>
-    <p:sldLayoutId id="2147483742" r:id="rId4"/>
-    <p:sldLayoutId id="2147483743" r:id="rId5"/>
-    <p:sldLayoutId id="2147483744" r:id="rId6"/>
-    <p:sldLayoutId id="2147483745" r:id="rId7"/>
-    <p:sldLayoutId id="2147483746" r:id="rId8"/>
-    <p:sldLayoutId id="2147483747" r:id="rId9"/>
-    <p:sldLayoutId id="2147483748" r:id="rId10"/>
-    <p:sldLayoutId id="2147483749" r:id="rId11"/>
+    <p:sldLayoutId id="2147483727" r:id="rId1"/>
+    <p:sldLayoutId id="2147483728" r:id="rId2"/>
+    <p:sldLayoutId id="2147483729" r:id="rId3"/>
+    <p:sldLayoutId id="2147483730" r:id="rId4"/>
+    <p:sldLayoutId id="2147483731" r:id="rId5"/>
+    <p:sldLayoutId id="2147483732" r:id="rId6"/>
+    <p:sldLayoutId id="2147483733" r:id="rId7"/>
+    <p:sldLayoutId id="2147483734" r:id="rId8"/>
+    <p:sldLayoutId id="2147483735" r:id="rId9"/>
+    <p:sldLayoutId id="2147483736" r:id="rId10"/>
+    <p:sldLayoutId id="2147483737" r:id="rId11"/>
   </p:sldLayoutIdLst>
   <p:txStyles>
     <p:titleStyle>
@@ -3283,7 +3438,7 @@
           <a:spcPct val="0"/>
         </a:spcBef>
         <a:buNone/>
-        <a:defRPr sz="4400" b="1" kern="1200">
+        <a:defRPr sz="5600" b="1" kern="1200">
           <a:solidFill>
             <a:schemeClr val="tx1"/>
           </a:solidFill>
@@ -3575,7 +3730,13 @@
       </p:grpSpPr>
       <p:sp>
         <p:nvSpPr>
-          <p:cNvPr id="2" name="Title 1"/>
+          <p:cNvPr id="4" name="Title 3">
+            <a:extLst>
+              <a:ext uri="{FF2B5EF4-FFF2-40B4-BE49-F238E27FC236}">
+                <a16:creationId xmlns:a16="http://schemas.microsoft.com/office/drawing/2014/main" id="{7C8E6A50-BE08-49F8-AA39-361B60FAABB7}"/>
+              </a:ext>
+            </a:extLst>
+          </p:cNvPr>
           <p:cNvSpPr>
             <a:spLocks noGrp="1"/>
           </p:cNvSpPr>
@@ -3583,32 +3744,24 @@
             <p:ph type="ctrTitle"/>
           </p:nvPr>
         </p:nvSpPr>
-        <p:spPr>
-          <a:xfrm>
-            <a:off x="2474362" y="2303414"/>
-            <a:ext cx="4960470" cy="1650232"/>
-          </a:xfrm>
-        </p:spPr>
-        <p:txBody>
-          <a:bodyPr>
-            <a:normAutofit/>
-          </a:bodyPr>
-          <a:lstStyle/>
-          <a:p>
-            <a:r>
-              <a:rPr lang="en-US">
-                <a:solidFill>
-                  <a:srgbClr val="FFFFFF"/>
-                </a:solidFill>
-              </a:rPr>
-              <a:t>Title</a:t>
-            </a:r>
-          </a:p>
-        </p:txBody>
-      </p:sp>
-      <p:sp>
-        <p:nvSpPr>
-          <p:cNvPr id="3" name="Subtitle 2"/>
+        <p:spPr/>
+        <p:txBody>
+          <a:bodyPr/>
+          <a:lstStyle/>
+          <a:p>
+            <a:endParaRPr lang="en-US"/>
+          </a:p>
+        </p:txBody>
+      </p:sp>
+      <p:sp>
+        <p:nvSpPr>
+          <p:cNvPr id="5" name="Subtitle 4">
+            <a:extLst>
+              <a:ext uri="{FF2B5EF4-FFF2-40B4-BE49-F238E27FC236}">
+                <a16:creationId xmlns:a16="http://schemas.microsoft.com/office/drawing/2014/main" id="{BBC363C1-9C77-405C-A511-9369CFF8B14A}"/>
+              </a:ext>
+            </a:extLst>
+          </p:cNvPr>
           <p:cNvSpPr>
             <a:spLocks noGrp="1"/>
           </p:cNvSpPr>
@@ -3616,33 +3769,19 @@
             <p:ph type="subTitle" idx="1"/>
           </p:nvPr>
         </p:nvSpPr>
-        <p:spPr>
-          <a:xfrm>
-            <a:off x="2474362" y="3953646"/>
-            <a:ext cx="4960470" cy="554189"/>
-          </a:xfrm>
-        </p:spPr>
-        <p:txBody>
-          <a:bodyPr>
-            <a:normAutofit/>
-          </a:bodyPr>
-          <a:lstStyle/>
-          <a:p>
-            <a:r>
-              <a:rPr lang="en-US">
-                <a:solidFill>
-                  <a:srgbClr val="FFFFFF"/>
-                </a:solidFill>
-              </a:rPr>
-              <a:t>Subtitle</a:t>
-            </a:r>
+        <p:spPr/>
+        <p:txBody>
+          <a:bodyPr/>
+          <a:lstStyle/>
+          <a:p>
+            <a:endParaRPr lang="en-US"/>
           </a:p>
         </p:txBody>
       </p:sp>
     </p:spTree>
     <p:extLst>
       <p:ext uri="{BB962C8B-B14F-4D97-AF65-F5344CB8AC3E}">
-        <p14:creationId xmlns:p14="http://schemas.microsoft.com/office/powerpoint/2010/main" val="392669009"/>
+        <p14:creationId xmlns:p14="http://schemas.microsoft.com/office/powerpoint/2010/main" val="3044906176"/>
       </p:ext>
     </p:extLst>
   </p:cSld>
@@ -3671,7 +3810,13 @@
       </p:grpSpPr>
       <p:sp>
         <p:nvSpPr>
-          <p:cNvPr id="2" name="Title 1"/>
+          <p:cNvPr id="2" name="Title 1">
+            <a:extLst>
+              <a:ext uri="{FF2B5EF4-FFF2-40B4-BE49-F238E27FC236}">
+                <a16:creationId xmlns:a16="http://schemas.microsoft.com/office/drawing/2014/main" id="{0E7DE74D-3D97-4872-B2C2-3829DEDD2AA6}"/>
+              </a:ext>
+            </a:extLst>
+          </p:cNvPr>
           <p:cNvSpPr>
             <a:spLocks noGrp="1"/>
           </p:cNvSpPr>
@@ -3684,16 +3829,19 @@
           <a:bodyPr/>
           <a:lstStyle/>
           <a:p>
-            <a:r>
-              <a:rPr lang="en-US" dirty="0"/>
-              <a:t>Slide Title</a:t>
-            </a:r>
-          </a:p>
-        </p:txBody>
-      </p:sp>
-      <p:sp>
-        <p:nvSpPr>
-          <p:cNvPr id="3" name="Content Placeholder 2"/>
+            <a:endParaRPr lang="en-US"/>
+          </a:p>
+        </p:txBody>
+      </p:sp>
+      <p:sp>
+        <p:nvSpPr>
+          <p:cNvPr id="3" name="Content Placeholder 2">
+            <a:extLst>
+              <a:ext uri="{FF2B5EF4-FFF2-40B4-BE49-F238E27FC236}">
+                <a16:creationId xmlns:a16="http://schemas.microsoft.com/office/drawing/2014/main" id="{2BB71EE1-B472-4592-A40F-8B0E2A89E39C}"/>
+              </a:ext>
+            </a:extLst>
+          </p:cNvPr>
           <p:cNvSpPr>
             <a:spLocks noGrp="1"/>
           </p:cNvSpPr>
@@ -3706,24 +3854,14 @@
           <a:bodyPr/>
           <a:lstStyle/>
           <a:p>
-            <a:pPr marL="0" indent="0">
-              <a:buNone/>
-            </a:pPr>
-            <a:r>
-              <a:rPr lang="en-US" dirty="0"/>
-              <a:t>Hello</a:t>
-            </a:r>
-            <a:r>
-              <a:rPr lang="en-US"/>
-              <a:t>, world.</a:t>
-            </a:r>
+            <a:endParaRPr lang="en-US"/>
           </a:p>
         </p:txBody>
       </p:sp>
     </p:spTree>
     <p:extLst>
       <p:ext uri="{BB962C8B-B14F-4D97-AF65-F5344CB8AC3E}">
-        <p14:creationId xmlns:p14="http://schemas.microsoft.com/office/powerpoint/2010/main" val="572707455"/>
+        <p14:creationId xmlns:p14="http://schemas.microsoft.com/office/powerpoint/2010/main" val="2188285162"/>
       </p:ext>
     </p:extLst>
   </p:cSld>
@@ -3755,7 +3893,7 @@
           <p:cNvPr id="4" name="Title 3">
             <a:extLst>
               <a:ext uri="{FF2B5EF4-FFF2-40B4-BE49-F238E27FC236}">
-                <a16:creationId xmlns:a16="http://schemas.microsoft.com/office/drawing/2014/main" id="{4D7EA5A8-CF7C-462E-A2B6-36D7CBEDC829}"/>
+                <a16:creationId xmlns:a16="http://schemas.microsoft.com/office/drawing/2014/main" id="{1AA15C28-3B60-4A6F-87BC-E0501966E7B2}"/>
               </a:ext>
             </a:extLst>
           </p:cNvPr>
@@ -3780,7 +3918,7 @@
           <p:cNvPr id="5" name="Text Placeholder 4">
             <a:extLst>
               <a:ext uri="{FF2B5EF4-FFF2-40B4-BE49-F238E27FC236}">
-                <a16:creationId xmlns:a16="http://schemas.microsoft.com/office/drawing/2014/main" id="{0A02A238-97FC-4DF8-BF6C-5DE0EEA955E8}"/>
+                <a16:creationId xmlns:a16="http://schemas.microsoft.com/office/drawing/2014/main" id="{103E9935-1749-4396-B27F-8954115F216F}"/>
               </a:ext>
             </a:extLst>
           </p:cNvPr>
@@ -3803,7 +3941,7 @@
     </p:spTree>
     <p:extLst>
       <p:ext uri="{BB962C8B-B14F-4D97-AF65-F5344CB8AC3E}">
-        <p14:creationId xmlns:p14="http://schemas.microsoft.com/office/powerpoint/2010/main" val="4039639124"/>
+        <p14:creationId xmlns:p14="http://schemas.microsoft.com/office/powerpoint/2010/main" val="2654345321"/>
       </p:ext>
     </p:extLst>
   </p:cSld>
@@ -3835,7 +3973,7 @@
           <p:cNvPr id="4" name="Title 3">
             <a:extLst>
               <a:ext uri="{FF2B5EF4-FFF2-40B4-BE49-F238E27FC236}">
-                <a16:creationId xmlns:a16="http://schemas.microsoft.com/office/drawing/2014/main" id="{9003BC5A-132B-4CB1-B847-6CB4A3F1DBA3}"/>
+                <a16:creationId xmlns:a16="http://schemas.microsoft.com/office/drawing/2014/main" id="{EDD87FE7-999B-4773-B2A2-9FC63A793D0E}"/>
               </a:ext>
             </a:extLst>
           </p:cNvPr>
@@ -3860,7 +3998,7 @@
           <p:cNvPr id="5" name="Content Placeholder 4">
             <a:extLst>
               <a:ext uri="{FF2B5EF4-FFF2-40B4-BE49-F238E27FC236}">
-                <a16:creationId xmlns:a16="http://schemas.microsoft.com/office/drawing/2014/main" id="{3177367B-5D7B-4493-B2F8-B3115A56889D}"/>
+                <a16:creationId xmlns:a16="http://schemas.microsoft.com/office/drawing/2014/main" id="{9E798467-FC1A-4BAF-9580-AC25916B8ED0}"/>
               </a:ext>
             </a:extLst>
           </p:cNvPr>
@@ -3885,7 +4023,7 @@
           <p:cNvPr id="6" name="Content Placeholder 5">
             <a:extLst>
               <a:ext uri="{FF2B5EF4-FFF2-40B4-BE49-F238E27FC236}">
-                <a16:creationId xmlns:a16="http://schemas.microsoft.com/office/drawing/2014/main" id="{BFA950EF-CD64-448F-AC5E-000307D9D01A}"/>
+                <a16:creationId xmlns:a16="http://schemas.microsoft.com/office/drawing/2014/main" id="{4781CFB5-FB17-4F5B-A42D-DB648B7F5D3E}"/>
               </a:ext>
             </a:extLst>
           </p:cNvPr>
@@ -3908,7 +4046,7 @@
     </p:spTree>
     <p:extLst>
       <p:ext uri="{BB962C8B-B14F-4D97-AF65-F5344CB8AC3E}">
-        <p14:creationId xmlns:p14="http://schemas.microsoft.com/office/powerpoint/2010/main" val="3377386340"/>
+        <p14:creationId xmlns:p14="http://schemas.microsoft.com/office/powerpoint/2010/main" val="201477786"/>
       </p:ext>
     </p:extLst>
   </p:cSld>
@@ -3921,7 +4059,7 @@
 <file path=ppt/theme/theme1.xml><?xml version="1.0" encoding="utf-8"?>
 <a:theme xmlns:a="http://schemas.openxmlformats.org/drawingml/2006/main" name="Office Theme">
   <a:themeElements>
-    <a:clrScheme name="Office Theme">
+    <a:clrScheme name="Office">
       <a:dk1>
         <a:sysClr val="windowText" lastClr="000000"/>
       </a:dk1>
@@ -3971,7 +4109,7 @@
         <a:cs typeface=""/>
       </a:minorFont>
     </a:fontScheme>
-    <a:fmtScheme name="Office Theme">
+    <a:fmtScheme name="Office">
       <a:fillStyleLst>
         <a:solidFill>
           <a:schemeClr val="phClr"/>
